--- a/Разработка приложения «Карта развития ребенка» под.pptx
+++ b/Разработка приложения «Карта развития ребенка» под.pptx
@@ -6,11 +6,18 @@
   </p:sldMasterIdLst>
   <p:sldIdLst>
     <p:sldId id="256" r:id="rId2"/>
-    <p:sldId id="258" r:id="rId3"/>
-    <p:sldId id="259" r:id="rId4"/>
-    <p:sldId id="257" r:id="rId5"/>
-    <p:sldId id="261" r:id="rId6"/>
-    <p:sldId id="262" r:id="rId7"/>
+    <p:sldId id="268" r:id="rId3"/>
+    <p:sldId id="263" r:id="rId4"/>
+    <p:sldId id="264" r:id="rId5"/>
+    <p:sldId id="265" r:id="rId6"/>
+    <p:sldId id="266" r:id="rId7"/>
+    <p:sldId id="271" r:id="rId8"/>
+    <p:sldId id="267" r:id="rId9"/>
+    <p:sldId id="259" r:id="rId10"/>
+    <p:sldId id="270" r:id="rId11"/>
+    <p:sldId id="269" r:id="rId12"/>
+    <p:sldId id="261" r:id="rId13"/>
+    <p:sldId id="262" r:id="rId14"/>
   </p:sldIdLst>
   <p:sldSz cx="9144000" cy="6858000" type="screen4x3"/>
   <p:notesSz cx="6858000" cy="9144000"/>
@@ -114,6 +121,7 @@
 
 <file path=ppt/charts/chart1.xml><?xml version="1.0" encoding="utf-8"?>
 <c:chartSpace xmlns:c="http://schemas.openxmlformats.org/drawingml/2006/chart" xmlns:a="http://schemas.openxmlformats.org/drawingml/2006/main" xmlns:r="http://schemas.openxmlformats.org/officeDocument/2006/relationships">
+  <c:date1904 val="1"/>
   <c:lang val="ru-RU"/>
   <c:style val="31"/>
   <c:chart>
@@ -175,24 +183,24 @@
             </c:numRef>
           </c:val>
         </c:ser>
-        <c:axId val="47223168"/>
-        <c:axId val="47225856"/>
+        <c:axId val="62489344"/>
+        <c:axId val="62490880"/>
       </c:barChart>
       <c:catAx>
-        <c:axId val="47223168"/>
+        <c:axId val="62489344"/>
         <c:scaling>
           <c:orientation val="minMax"/>
         </c:scaling>
         <c:axPos val="b"/>
         <c:tickLblPos val="nextTo"/>
-        <c:crossAx val="47225856"/>
+        <c:crossAx val="62490880"/>
         <c:crosses val="autoZero"/>
         <c:auto val="1"/>
         <c:lblAlgn val="ctr"/>
         <c:lblOffset val="100"/>
       </c:catAx>
       <c:valAx>
-        <c:axId val="47225856"/>
+        <c:axId val="62490880"/>
         <c:scaling>
           <c:orientation val="minMax"/>
         </c:scaling>
@@ -200,7 +208,7 @@
         <c:majorGridlines/>
         <c:numFmt formatCode="#,##0.00&quot;р.&quot;" sourceLinked="1"/>
         <c:tickLblPos val="nextTo"/>
-        <c:crossAx val="47223168"/>
+        <c:crossAx val="62489344"/>
         <c:crosses val="autoZero"/>
         <c:crossBetween val="between"/>
       </c:valAx>
@@ -278,24 +286,24 @@
             </c:numRef>
           </c:val>
         </c:ser>
-        <c:axId val="47175936"/>
-        <c:axId val="47369600"/>
+        <c:axId val="63572224"/>
+        <c:axId val="63590400"/>
       </c:barChart>
       <c:catAx>
-        <c:axId val="47175936"/>
+        <c:axId val="63572224"/>
         <c:scaling>
           <c:orientation val="minMax"/>
         </c:scaling>
         <c:axPos val="b"/>
         <c:tickLblPos val="nextTo"/>
-        <c:crossAx val="47369600"/>
+        <c:crossAx val="63590400"/>
         <c:crosses val="autoZero"/>
         <c:auto val="1"/>
         <c:lblAlgn val="ctr"/>
         <c:lblOffset val="100"/>
       </c:catAx>
       <c:valAx>
-        <c:axId val="47369600"/>
+        <c:axId val="63590400"/>
         <c:scaling>
           <c:orientation val="minMax"/>
         </c:scaling>
@@ -303,7 +311,7 @@
         <c:majorGridlines/>
         <c:numFmt formatCode="General" sourceLinked="1"/>
         <c:tickLblPos val="nextTo"/>
-        <c:crossAx val="47175936"/>
+        <c:crossAx val="63572224"/>
         <c:crosses val="autoZero"/>
         <c:crossBetween val="between"/>
       </c:valAx>
@@ -461,7 +469,8 @@
           <a:p>
             <a:fld id="{DC64BE75-963E-437A-A34F-B34FEDFB7E90}" type="datetimeFigureOut">
               <a:rPr lang="ru-RU" smtClean="0"/>
-              <a:t>19.03.2013</a:t>
+              <a:pPr/>
+              <a:t>12.06.2013</a:t>
             </a:fld>
             <a:endParaRPr lang="ru-RU"/>
           </a:p>
@@ -513,6 +522,7 @@
           <a:p>
             <a:fld id="{C5455F83-7F23-41F9-8F1E-F33C54E4E152}" type="slidenum">
               <a:rPr lang="ru-RU" smtClean="0"/>
+              <a:pPr/>
               <a:t>‹#›</a:t>
             </a:fld>
             <a:endParaRPr lang="ru-RU"/>
@@ -820,7 +830,8 @@
           <a:p>
             <a:fld id="{DC64BE75-963E-437A-A34F-B34FEDFB7E90}" type="datetimeFigureOut">
               <a:rPr lang="ru-RU" smtClean="0"/>
-              <a:t>19.03.2013</a:t>
+              <a:pPr/>
+              <a:t>12.06.2013</a:t>
             </a:fld>
             <a:endParaRPr lang="ru-RU"/>
           </a:p>
@@ -862,6 +873,7 @@
           <a:p>
             <a:fld id="{C5455F83-7F23-41F9-8F1E-F33C54E4E152}" type="slidenum">
               <a:rPr lang="ru-RU" smtClean="0"/>
+              <a:pPr/>
               <a:t>‹#›</a:t>
             </a:fld>
             <a:endParaRPr lang="ru-RU"/>
@@ -995,7 +1007,8 @@
           <a:p>
             <a:fld id="{DC64BE75-963E-437A-A34F-B34FEDFB7E90}" type="datetimeFigureOut">
               <a:rPr lang="ru-RU" smtClean="0"/>
-              <a:t>19.03.2013</a:t>
+              <a:pPr/>
+              <a:t>12.06.2013</a:t>
             </a:fld>
             <a:endParaRPr lang="ru-RU"/>
           </a:p>
@@ -1037,6 +1050,7 @@
           <a:p>
             <a:fld id="{C5455F83-7F23-41F9-8F1E-F33C54E4E152}" type="slidenum">
               <a:rPr lang="ru-RU" smtClean="0"/>
+              <a:pPr/>
               <a:t>‹#›</a:t>
             </a:fld>
             <a:endParaRPr lang="ru-RU"/>
@@ -1230,7 +1244,8 @@
           <a:p>
             <a:fld id="{DC64BE75-963E-437A-A34F-B34FEDFB7E90}" type="datetimeFigureOut">
               <a:rPr lang="ru-RU" smtClean="0"/>
-              <a:t>19.03.2013</a:t>
+              <a:pPr/>
+              <a:t>12.06.2013</a:t>
             </a:fld>
             <a:endParaRPr lang="ru-RU"/>
           </a:p>
@@ -1272,6 +1287,7 @@
           <a:p>
             <a:fld id="{C5455F83-7F23-41F9-8F1E-F33C54E4E152}" type="slidenum">
               <a:rPr lang="ru-RU" smtClean="0"/>
+              <a:pPr/>
               <a:t>‹#›</a:t>
             </a:fld>
             <a:endParaRPr lang="ru-RU"/>
@@ -1499,7 +1515,8 @@
           <a:p>
             <a:fld id="{DC64BE75-963E-437A-A34F-B34FEDFB7E90}" type="datetimeFigureOut">
               <a:rPr lang="ru-RU" smtClean="0"/>
-              <a:t>19.03.2013</a:t>
+              <a:pPr/>
+              <a:t>12.06.2013</a:t>
             </a:fld>
             <a:endParaRPr lang="ru-RU"/>
           </a:p>
@@ -1551,6 +1568,7 @@
           <a:p>
             <a:fld id="{C5455F83-7F23-41F9-8F1E-F33C54E4E152}" type="slidenum">
               <a:rPr lang="ru-RU" smtClean="0"/>
+              <a:pPr/>
               <a:t>‹#›</a:t>
             </a:fld>
             <a:endParaRPr lang="ru-RU"/>
@@ -1719,7 +1737,8 @@
           <a:p>
             <a:fld id="{DC64BE75-963E-437A-A34F-B34FEDFB7E90}" type="datetimeFigureOut">
               <a:rPr lang="ru-RU" smtClean="0"/>
-              <a:t>19.03.2013</a:t>
+              <a:pPr/>
+              <a:t>12.06.2013</a:t>
             </a:fld>
             <a:endParaRPr lang="ru-RU"/>
           </a:p>
@@ -1761,6 +1780,7 @@
           <a:p>
             <a:fld id="{C5455F83-7F23-41F9-8F1E-F33C54E4E152}" type="slidenum">
               <a:rPr lang="ru-RU" smtClean="0"/>
+              <a:pPr/>
               <a:t>‹#›</a:t>
             </a:fld>
             <a:endParaRPr lang="ru-RU"/>
@@ -2071,7 +2091,8 @@
           <a:p>
             <a:fld id="{DC64BE75-963E-437A-A34F-B34FEDFB7E90}" type="datetimeFigureOut">
               <a:rPr lang="ru-RU" smtClean="0"/>
-              <a:t>19.03.2013</a:t>
+              <a:pPr/>
+              <a:t>12.06.2013</a:t>
             </a:fld>
             <a:endParaRPr lang="ru-RU"/>
           </a:p>
@@ -2113,6 +2134,7 @@
           <a:p>
             <a:fld id="{C5455F83-7F23-41F9-8F1E-F33C54E4E152}" type="slidenum">
               <a:rPr lang="ru-RU" smtClean="0"/>
+              <a:pPr/>
               <a:t>‹#›</a:t>
             </a:fld>
             <a:endParaRPr lang="ru-RU"/>
@@ -2303,7 +2325,8 @@
           <a:p>
             <a:fld id="{DC64BE75-963E-437A-A34F-B34FEDFB7E90}" type="datetimeFigureOut">
               <a:rPr lang="ru-RU" smtClean="0"/>
-              <a:t>19.03.2013</a:t>
+              <a:pPr/>
+              <a:t>12.06.2013</a:t>
             </a:fld>
             <a:endParaRPr lang="ru-RU"/>
           </a:p>
@@ -2345,6 +2368,7 @@
           <a:p>
             <a:fld id="{C5455F83-7F23-41F9-8F1E-F33C54E4E152}" type="slidenum">
               <a:rPr lang="ru-RU" smtClean="0"/>
+              <a:pPr/>
               <a:t>‹#›</a:t>
             </a:fld>
             <a:endParaRPr lang="ru-RU"/>
@@ -2443,7 +2467,8 @@
           <a:p>
             <a:fld id="{DC64BE75-963E-437A-A34F-B34FEDFB7E90}" type="datetimeFigureOut">
               <a:rPr lang="ru-RU" smtClean="0"/>
-              <a:t>19.03.2013</a:t>
+              <a:pPr/>
+              <a:t>12.06.2013</a:t>
             </a:fld>
             <a:endParaRPr lang="ru-RU"/>
           </a:p>
@@ -2485,6 +2510,7 @@
           <a:p>
             <a:fld id="{C5455F83-7F23-41F9-8F1E-F33C54E4E152}" type="slidenum">
               <a:rPr lang="ru-RU" smtClean="0"/>
+              <a:pPr/>
               <a:t>‹#›</a:t>
             </a:fld>
             <a:endParaRPr lang="ru-RU"/>
@@ -2720,7 +2746,8 @@
           <a:p>
             <a:fld id="{DC64BE75-963E-437A-A34F-B34FEDFB7E90}" type="datetimeFigureOut">
               <a:rPr lang="ru-RU" smtClean="0"/>
-              <a:t>19.03.2013</a:t>
+              <a:pPr/>
+              <a:t>12.06.2013</a:t>
             </a:fld>
             <a:endParaRPr lang="ru-RU"/>
           </a:p>
@@ -2762,6 +2789,7 @@
           <a:p>
             <a:fld id="{C5455F83-7F23-41F9-8F1E-F33C54E4E152}" type="slidenum">
               <a:rPr lang="ru-RU" smtClean="0"/>
+              <a:pPr/>
               <a:t>‹#›</a:t>
             </a:fld>
             <a:endParaRPr lang="ru-RU"/>
@@ -3127,7 +3155,8 @@
           <a:p>
             <a:fld id="{DC64BE75-963E-437A-A34F-B34FEDFB7E90}" type="datetimeFigureOut">
               <a:rPr lang="ru-RU" smtClean="0"/>
-              <a:t>19.03.2013</a:t>
+              <a:pPr/>
+              <a:t>12.06.2013</a:t>
             </a:fld>
             <a:endParaRPr lang="ru-RU"/>
           </a:p>
@@ -3169,6 +3198,7 @@
           <a:p>
             <a:fld id="{C5455F83-7F23-41F9-8F1E-F33C54E4E152}" type="slidenum">
               <a:rPr lang="ru-RU" smtClean="0"/>
+              <a:pPr/>
               <a:t>‹#›</a:t>
             </a:fld>
             <a:endParaRPr lang="ru-RU"/>
@@ -3465,7 +3495,8 @@
           <a:p>
             <a:fld id="{DC64BE75-963E-437A-A34F-B34FEDFB7E90}" type="datetimeFigureOut">
               <a:rPr lang="ru-RU" smtClean="0"/>
-              <a:t>19.03.2013</a:t>
+              <a:pPr/>
+              <a:t>12.06.2013</a:t>
             </a:fld>
             <a:endParaRPr lang="ru-RU"/>
           </a:p>
@@ -3539,6 +3570,7 @@
           <a:p>
             <a:fld id="{C5455F83-7F23-41F9-8F1E-F33C54E4E152}" type="slidenum">
               <a:rPr lang="ru-RU" smtClean="0"/>
+              <a:pPr/>
               <a:t>‹#›</a:t>
             </a:fld>
             <a:endParaRPr lang="ru-RU"/>
@@ -4190,17 +4222,8 @@
             <a:pPr algn="ctr"/>
             <a:r>
               <a:rPr lang="ru-RU" sz="1600" b="1" dirty="0" smtClean="0"/>
-              <a:t>Кафедра </a:t>
-            </a:r>
-            <a:r>
-              <a:rPr lang="ru-RU" sz="1600" b="1" dirty="0" smtClean="0"/>
-              <a:t>прикладных информационных </a:t>
-            </a:r>
-            <a:r>
-              <a:rPr lang="ru-RU" sz="1600" b="1" dirty="0" smtClean="0"/>
-              <a:t>технологий</a:t>
-            </a:r>
-            <a:endParaRPr lang="ru-RU" sz="1600" b="1" dirty="0" smtClean="0"/>
+              <a:t>Кафедра прикладных информационных технологий</a:t>
+            </a:r>
           </a:p>
         </p:txBody>
       </p:sp>
@@ -4339,13 +4362,8 @@
             </a:r>
             <a:r>
               <a:rPr lang="ru-RU" sz="2000" dirty="0" smtClean="0"/>
-              <a:t>Титов А.А</a:t>
-            </a:r>
-            <a:r>
-              <a:rPr lang="ru-RU" sz="2000" dirty="0" smtClean="0"/>
-              <a:t>. гр.9097</a:t>
-            </a:r>
-            <a:endParaRPr lang="ru-RU" sz="2000" dirty="0" smtClean="0"/>
+              <a:t>Титов А.А. гр.9097</a:t>
+            </a:r>
           </a:p>
           <a:p>
             <a:r>
@@ -4360,7 +4378,7 @@
             </a:r>
             <a:r>
               <a:rPr lang="ru-RU" sz="2000" dirty="0" smtClean="0"/>
-              <a:t>Терещенко С.Н. (доцент)</a:t>
+              <a:t>Терещенко С.Н. </a:t>
             </a:r>
             <a:endParaRPr lang="ru-RU" sz="2000" dirty="0">
               <a:solidFill>
@@ -4372,6 +4390,395 @@
           </a:p>
         </p:txBody>
       </p:sp>
+    </p:spTree>
+  </p:cSld>
+  <p:clrMapOvr>
+    <a:masterClrMapping/>
+  </p:clrMapOvr>
+</p:sld>
+</file>
+
+<file path=ppt/slides/slide10.xml><?xml version="1.0" encoding="utf-8"?>
+<p:sld xmlns:a="http://schemas.openxmlformats.org/drawingml/2006/main" xmlns:r="http://schemas.openxmlformats.org/officeDocument/2006/relationships" xmlns:p="http://schemas.openxmlformats.org/presentationml/2006/main">
+  <p:cSld>
+    <p:spTree>
+      <p:nvGrpSpPr>
+        <p:cNvPr id="1" name=""/>
+        <p:cNvGrpSpPr/>
+        <p:nvPr/>
+      </p:nvGrpSpPr>
+      <p:grpSpPr>
+        <a:xfrm>
+          <a:off x="0" y="0"/>
+          <a:ext cx="0" cy="0"/>
+          <a:chOff x="0" y="0"/>
+          <a:chExt cx="0" cy="0"/>
+        </a:xfrm>
+      </p:grpSpPr>
+      <p:sp>
+        <p:nvSpPr>
+          <p:cNvPr id="2" name="Заголовок 1"/>
+          <p:cNvSpPr>
+            <a:spLocks noGrp="1"/>
+          </p:cNvSpPr>
+          <p:nvPr>
+            <p:ph type="title"/>
+          </p:nvPr>
+        </p:nvSpPr>
+        <p:spPr/>
+        <p:txBody>
+          <a:bodyPr/>
+          <a:lstStyle/>
+          <a:p>
+            <a:pPr algn="ctr"/>
+            <a:r>
+              <a:rPr lang="ru-RU" dirty="0" smtClean="0"/>
+              <a:t>Что сделано</a:t>
+            </a:r>
+            <a:endParaRPr lang="ru-RU" dirty="0"/>
+          </a:p>
+        </p:txBody>
+      </p:sp>
+      <p:sp>
+        <p:nvSpPr>
+          <p:cNvPr id="3" name="Содержимое 2"/>
+          <p:cNvSpPr>
+            <a:spLocks noGrp="1"/>
+          </p:cNvSpPr>
+          <p:nvPr>
+            <p:ph sz="quarter" idx="1"/>
+          </p:nvPr>
+        </p:nvSpPr>
+        <p:spPr/>
+        <p:txBody>
+          <a:bodyPr/>
+          <a:lstStyle/>
+          <a:p>
+            <a:r>
+              <a:rPr lang="ru-RU" dirty="0" err="1" smtClean="0"/>
+              <a:t>Скриншоты</a:t>
+            </a:r>
+            <a:r>
+              <a:rPr lang="ru-RU" dirty="0" smtClean="0"/>
+              <a:t> + описание</a:t>
+            </a:r>
+            <a:endParaRPr lang="ru-RU" dirty="0"/>
+          </a:p>
+        </p:txBody>
+      </p:sp>
+    </p:spTree>
+  </p:cSld>
+  <p:clrMapOvr>
+    <a:masterClrMapping/>
+  </p:clrMapOvr>
+</p:sld>
+</file>
+
+<file path=ppt/slides/slide11.xml><?xml version="1.0" encoding="utf-8"?>
+<p:sld xmlns:a="http://schemas.openxmlformats.org/drawingml/2006/main" xmlns:r="http://schemas.openxmlformats.org/officeDocument/2006/relationships" xmlns:p="http://schemas.openxmlformats.org/presentationml/2006/main">
+  <p:cSld>
+    <p:spTree>
+      <p:nvGrpSpPr>
+        <p:cNvPr id="1" name=""/>
+        <p:cNvGrpSpPr/>
+        <p:nvPr/>
+      </p:nvGrpSpPr>
+      <p:grpSpPr>
+        <a:xfrm>
+          <a:off x="0" y="0"/>
+          <a:ext cx="0" cy="0"/>
+          <a:chOff x="0" y="0"/>
+          <a:chExt cx="0" cy="0"/>
+        </a:xfrm>
+      </p:grpSpPr>
+      <p:sp>
+        <p:nvSpPr>
+          <p:cNvPr id="2" name="Заголовок 1"/>
+          <p:cNvSpPr>
+            <a:spLocks noGrp="1"/>
+          </p:cNvSpPr>
+          <p:nvPr>
+            <p:ph type="title"/>
+          </p:nvPr>
+        </p:nvSpPr>
+        <p:spPr/>
+        <p:txBody>
+          <a:bodyPr/>
+          <a:lstStyle/>
+          <a:p>
+            <a:pPr algn="ctr"/>
+            <a:r>
+              <a:rPr lang="ru-RU" dirty="0" smtClean="0"/>
+              <a:t>Выводы</a:t>
+            </a:r>
+            <a:endParaRPr lang="ru-RU" dirty="0"/>
+          </a:p>
+        </p:txBody>
+      </p:sp>
+      <p:sp>
+        <p:nvSpPr>
+          <p:cNvPr id="3" name="Содержимое 2"/>
+          <p:cNvSpPr>
+            <a:spLocks noGrp="1"/>
+          </p:cNvSpPr>
+          <p:nvPr>
+            <p:ph sz="quarter" idx="1"/>
+          </p:nvPr>
+        </p:nvSpPr>
+        <p:spPr/>
+        <p:txBody>
+          <a:bodyPr/>
+          <a:lstStyle/>
+          <a:p>
+            <a:pPr>
+              <a:buNone/>
+            </a:pPr>
+            <a:r>
+              <a:rPr lang="ru-RU" dirty="0" smtClean="0">
+                <a:latin typeface="Times New Roman" pitchFamily="18" charset="0"/>
+                <a:cs typeface="Times New Roman" pitchFamily="18" charset="0"/>
+              </a:rPr>
+              <a:t>Достоинства:</a:t>
+            </a:r>
+          </a:p>
+          <a:p>
+            <a:pPr>
+              <a:buFont typeface="Wingdings" pitchFamily="2" charset="2"/>
+              <a:buChar char="q"/>
+            </a:pPr>
+            <a:r>
+              <a:rPr lang="ru-RU" dirty="0" smtClean="0">
+                <a:latin typeface="Times New Roman" pitchFamily="18" charset="0"/>
+                <a:cs typeface="Times New Roman" pitchFamily="18" charset="0"/>
+              </a:rPr>
+              <a:t>Русскоязычный интерфейс</a:t>
+            </a:r>
+          </a:p>
+          <a:p>
+            <a:pPr>
+              <a:buFont typeface="Wingdings" pitchFamily="2" charset="2"/>
+              <a:buChar char="q"/>
+            </a:pPr>
+            <a:r>
+              <a:rPr lang="ru-RU" dirty="0" smtClean="0">
+                <a:latin typeface="Times New Roman" pitchFamily="18" charset="0"/>
+                <a:cs typeface="Times New Roman" pitchFamily="18" charset="0"/>
+              </a:rPr>
+              <a:t>Простота использования</a:t>
+            </a:r>
+          </a:p>
+          <a:p>
+            <a:pPr>
+              <a:buNone/>
+            </a:pPr>
+            <a:r>
+              <a:rPr lang="ru-RU" dirty="0" smtClean="0">
+                <a:latin typeface="Times New Roman" pitchFamily="18" charset="0"/>
+                <a:cs typeface="Times New Roman" pitchFamily="18" charset="0"/>
+              </a:rPr>
+              <a:t>Недостатки:</a:t>
+            </a:r>
+          </a:p>
+          <a:p>
+            <a:pPr>
+              <a:buFont typeface="Wingdings" pitchFamily="2" charset="2"/>
+              <a:buChar char="q"/>
+            </a:pPr>
+            <a:r>
+              <a:rPr lang="ru-RU" dirty="0" smtClean="0">
+                <a:latin typeface="Times New Roman" pitchFamily="18" charset="0"/>
+                <a:cs typeface="Times New Roman" pitchFamily="18" charset="0"/>
+              </a:rPr>
+              <a:t>…</a:t>
+            </a:r>
+          </a:p>
+          <a:p>
+            <a:pPr>
+              <a:buNone/>
+            </a:pPr>
+            <a:r>
+              <a:rPr lang="ru-RU" dirty="0" smtClean="0">
+                <a:latin typeface="Times New Roman" pitchFamily="18" charset="0"/>
+                <a:cs typeface="Times New Roman" pitchFamily="18" charset="0"/>
+              </a:rPr>
+              <a:t>Перспективы:</a:t>
+            </a:r>
+          </a:p>
+          <a:p>
+            <a:pPr>
+              <a:buFont typeface="Wingdings" pitchFamily="2" charset="2"/>
+              <a:buChar char="q"/>
+            </a:pPr>
+            <a:r>
+              <a:rPr lang="ru-RU" dirty="0" err="1" smtClean="0">
+                <a:latin typeface="Times New Roman" pitchFamily="18" charset="0"/>
+                <a:cs typeface="Times New Roman" pitchFamily="18" charset="0"/>
+              </a:rPr>
+              <a:t>Кроссплатформенность</a:t>
+            </a:r>
+            <a:endParaRPr lang="ru-RU" dirty="0" smtClean="0">
+              <a:latin typeface="Times New Roman" pitchFamily="18" charset="0"/>
+              <a:cs typeface="Times New Roman" pitchFamily="18" charset="0"/>
+            </a:endParaRPr>
+          </a:p>
+          <a:p>
+            <a:pPr>
+              <a:buFont typeface="Wingdings" pitchFamily="2" charset="2"/>
+              <a:buChar char="q"/>
+            </a:pPr>
+            <a:r>
+              <a:rPr lang="ru-RU" dirty="0" err="1" smtClean="0">
+                <a:latin typeface="Times New Roman" pitchFamily="18" charset="0"/>
+                <a:cs typeface="Times New Roman" pitchFamily="18" charset="0"/>
+              </a:rPr>
+              <a:t>Кастомизация</a:t>
+            </a:r>
+            <a:r>
+              <a:rPr lang="ru-RU" dirty="0" smtClean="0">
+                <a:latin typeface="Times New Roman" pitchFamily="18" charset="0"/>
+                <a:cs typeface="Times New Roman" pitchFamily="18" charset="0"/>
+              </a:rPr>
+              <a:t> пользовательского интерфейса</a:t>
+            </a:r>
+          </a:p>
+        </p:txBody>
+      </p:sp>
+    </p:spTree>
+  </p:cSld>
+  <p:clrMapOvr>
+    <a:masterClrMapping/>
+  </p:clrMapOvr>
+</p:sld>
+</file>
+
+<file path=ppt/slides/slide12.xml><?xml version="1.0" encoding="utf-8"?>
+<p:sld xmlns:a="http://schemas.openxmlformats.org/drawingml/2006/main" xmlns:r="http://schemas.openxmlformats.org/officeDocument/2006/relationships" xmlns:p="http://schemas.openxmlformats.org/presentationml/2006/main">
+  <p:cSld>
+    <p:spTree>
+      <p:nvGrpSpPr>
+        <p:cNvPr id="1" name=""/>
+        <p:cNvGrpSpPr/>
+        <p:nvPr/>
+      </p:nvGrpSpPr>
+      <p:grpSpPr>
+        <a:xfrm>
+          <a:off x="0" y="0"/>
+          <a:ext cx="0" cy="0"/>
+          <a:chOff x="0" y="0"/>
+          <a:chExt cx="0" cy="0"/>
+        </a:xfrm>
+      </p:grpSpPr>
+      <p:sp>
+        <p:nvSpPr>
+          <p:cNvPr id="2" name="Заголовок 1"/>
+          <p:cNvSpPr>
+            <a:spLocks noGrp="1"/>
+          </p:cNvSpPr>
+          <p:nvPr>
+            <p:ph type="title"/>
+          </p:nvPr>
+        </p:nvSpPr>
+        <p:spPr/>
+        <p:txBody>
+          <a:bodyPr/>
+          <a:lstStyle/>
+          <a:p>
+            <a:r>
+              <a:rPr lang="ru-RU" dirty="0" smtClean="0"/>
+              <a:t>Конкуренты</a:t>
+            </a:r>
+            <a:endParaRPr lang="ru-RU" dirty="0"/>
+          </a:p>
+        </p:txBody>
+      </p:sp>
+      <p:graphicFrame>
+        <p:nvGraphicFramePr>
+          <p:cNvPr id="4" name="Содержимое 3"/>
+          <p:cNvGraphicFramePr>
+            <a:graphicFrameLocks noGrp="1"/>
+          </p:cNvGraphicFramePr>
+          <p:nvPr>
+            <p:ph sz="quarter" idx="1"/>
+          </p:nvPr>
+        </p:nvGraphicFramePr>
+        <p:xfrm>
+          <a:off x="457200" y="1219200"/>
+          <a:ext cx="8229600" cy="4937125"/>
+        </p:xfrm>
+        <a:graphic>
+          <a:graphicData uri="http://schemas.openxmlformats.org/drawingml/2006/chart">
+            <c:chart xmlns:c="http://schemas.openxmlformats.org/drawingml/2006/chart" xmlns:r="http://schemas.openxmlformats.org/officeDocument/2006/relationships" r:id="rId2"/>
+          </a:graphicData>
+        </a:graphic>
+      </p:graphicFrame>
+    </p:spTree>
+  </p:cSld>
+  <p:clrMapOvr>
+    <a:masterClrMapping/>
+  </p:clrMapOvr>
+</p:sld>
+</file>
+
+<file path=ppt/slides/slide13.xml><?xml version="1.0" encoding="utf-8"?>
+<p:sld xmlns:a="http://schemas.openxmlformats.org/drawingml/2006/main" xmlns:r="http://schemas.openxmlformats.org/officeDocument/2006/relationships" xmlns:p="http://schemas.openxmlformats.org/presentationml/2006/main">
+  <p:cSld>
+    <p:spTree>
+      <p:nvGrpSpPr>
+        <p:cNvPr id="1" name=""/>
+        <p:cNvGrpSpPr/>
+        <p:nvPr/>
+      </p:nvGrpSpPr>
+      <p:grpSpPr>
+        <a:xfrm>
+          <a:off x="0" y="0"/>
+          <a:ext cx="0" cy="0"/>
+          <a:chOff x="0" y="0"/>
+          <a:chExt cx="0" cy="0"/>
+        </a:xfrm>
+      </p:grpSpPr>
+      <p:sp>
+        <p:nvSpPr>
+          <p:cNvPr id="2" name="Заголовок 1"/>
+          <p:cNvSpPr>
+            <a:spLocks noGrp="1"/>
+          </p:cNvSpPr>
+          <p:nvPr>
+            <p:ph type="title"/>
+          </p:nvPr>
+        </p:nvSpPr>
+        <p:spPr/>
+        <p:txBody>
+          <a:bodyPr/>
+          <a:lstStyle/>
+          <a:p>
+            <a:r>
+              <a:rPr lang="ru-RU" dirty="0" smtClean="0"/>
+              <a:t>Конкуренты</a:t>
+            </a:r>
+            <a:endParaRPr lang="ru-RU" dirty="0"/>
+          </a:p>
+        </p:txBody>
+      </p:sp>
+      <p:graphicFrame>
+        <p:nvGraphicFramePr>
+          <p:cNvPr id="4" name="Содержимое 3"/>
+          <p:cNvGraphicFramePr>
+            <a:graphicFrameLocks noGrp="1"/>
+          </p:cNvGraphicFramePr>
+          <p:nvPr>
+            <p:ph sz="quarter" idx="1"/>
+          </p:nvPr>
+        </p:nvGraphicFramePr>
+        <p:xfrm>
+          <a:off x="457200" y="1219200"/>
+          <a:ext cx="8229600" cy="4937125"/>
+        </p:xfrm>
+        <a:graphic>
+          <a:graphicData uri="http://schemas.openxmlformats.org/drawingml/2006/chart">
+            <c:chart xmlns:c="http://schemas.openxmlformats.org/drawingml/2006/chart" xmlns:r="http://schemas.openxmlformats.org/officeDocument/2006/relationships" r:id="rId2"/>
+          </a:graphicData>
+        </a:graphic>
+      </p:graphicFrame>
     </p:spTree>
   </p:cSld>
   <p:clrMapOvr>
@@ -4412,9 +4819,10 @@
           <a:bodyPr/>
           <a:lstStyle/>
           <a:p>
+            <a:pPr algn="ctr"/>
             <a:r>
               <a:rPr lang="ru-RU" dirty="0" smtClean="0"/>
-              <a:t>Описание приложения</a:t>
+              <a:t>Цель и задачи </a:t>
             </a:r>
             <a:endParaRPr lang="ru-RU" dirty="0"/>
           </a:p>
@@ -4435,12 +4843,63 @@
           <a:bodyPr/>
           <a:lstStyle/>
           <a:p>
-            <a:pPr>
-              <a:buNone/>
+            <a:r>
+              <a:rPr lang="ru-RU" dirty="0" smtClean="0"/>
+              <a:t>Цель работы: </a:t>
+            </a:r>
+          </a:p>
+          <a:p>
+            <a:pPr lvl="1">
+              <a:buFont typeface="Wingdings" pitchFamily="2" charset="2"/>
+              <a:buChar char="q"/>
             </a:pPr>
             <a:r>
               <a:rPr lang="ru-RU" dirty="0" smtClean="0"/>
-              <a:t>Приложение позволит отслеживать развитие ребенка, предоставляя удобный функционал по редактированию данных о ребенке и возможность настройки уведомлений.</a:t>
+              <a:t>Разработать приложение для мобильной операционной системы </a:t>
+            </a:r>
+            <a:r>
+              <a:rPr lang="en-US" dirty="0" smtClean="0"/>
+              <a:t>Android</a:t>
+            </a:r>
+          </a:p>
+          <a:p>
+            <a:r>
+              <a:rPr lang="ru-RU" dirty="0" smtClean="0"/>
+              <a:t>Задачи: </a:t>
+            </a:r>
+          </a:p>
+          <a:p>
+            <a:pPr lvl="1">
+              <a:buFont typeface="Wingdings" pitchFamily="2" charset="2"/>
+              <a:buChar char="q"/>
+            </a:pPr>
+            <a:r>
+              <a:rPr lang="ru-RU" dirty="0" smtClean="0"/>
+              <a:t>Проектирование </a:t>
+            </a:r>
+            <a:r>
+              <a:rPr lang="ru-RU" dirty="0" smtClean="0"/>
+              <a:t>базы данных</a:t>
+            </a:r>
+          </a:p>
+          <a:p>
+            <a:pPr lvl="1">
+              <a:buFont typeface="Wingdings" pitchFamily="2" charset="2"/>
+              <a:buChar char="q"/>
+            </a:pPr>
+            <a:r>
+              <a:rPr lang="ru-RU" dirty="0" smtClean="0"/>
+              <a:t>Разработка пользовательского интерфейса</a:t>
+            </a:r>
+          </a:p>
+          <a:p>
+            <a:pPr lvl="1">
+              <a:buFont typeface="Wingdings" pitchFamily="2" charset="2"/>
+              <a:buChar char="q"/>
+            </a:pPr>
+            <a:r>
+              <a:rPr lang="ru-RU" dirty="0" smtClean="0"/>
+              <a:t>Написание программного кода</a:t>
             </a:r>
             <a:endParaRPr lang="ru-RU" dirty="0"/>
           </a:p>
@@ -4486,9 +4945,10 @@
           <a:bodyPr/>
           <a:lstStyle/>
           <a:p>
+            <a:pPr algn="ctr"/>
             <a:r>
               <a:rPr lang="ru-RU" dirty="0" smtClean="0"/>
-              <a:t>Функции приложения</a:t>
+              <a:t>Объект и предмет исследования</a:t>
             </a:r>
             <a:endParaRPr lang="ru-RU" dirty="0"/>
           </a:p>
@@ -4509,84 +4969,44 @@
           <a:bodyPr/>
           <a:lstStyle/>
           <a:p>
-            <a:pPr>
+            <a:r>
+              <a:rPr lang="ru-RU" dirty="0" smtClean="0"/>
+              <a:t>Объект исследования: </a:t>
+            </a:r>
+          </a:p>
+          <a:p>
+            <a:pPr lvl="1">
               <a:buFont typeface="Wingdings" pitchFamily="2" charset="2"/>
               <a:buChar char="q"/>
             </a:pPr>
             <a:r>
               <a:rPr lang="ru-RU" dirty="0" smtClean="0"/>
-              <a:t>Регистрация пользователя</a:t>
-            </a:r>
-          </a:p>
-          <a:p>
-            <a:pPr>
+              <a:t>разработка приложений для мобильных устройств</a:t>
+            </a:r>
+          </a:p>
+          <a:p>
+            <a:r>
+              <a:rPr lang="ru-RU" dirty="0" smtClean="0"/>
+              <a:t>Предмет исследования: </a:t>
+            </a:r>
+          </a:p>
+          <a:p>
+            <a:pPr lvl="1">
               <a:buFont typeface="Wingdings" pitchFamily="2" charset="2"/>
               <a:buChar char="q"/>
             </a:pPr>
             <a:r>
               <a:rPr lang="ru-RU" dirty="0" smtClean="0"/>
-              <a:t>Авторизация пользователя</a:t>
-            </a:r>
-          </a:p>
-          <a:p>
-            <a:pPr>
-              <a:buFont typeface="Wingdings" pitchFamily="2" charset="2"/>
-              <a:buChar char="q"/>
-            </a:pPr>
+              <a:t>проектирование и разработка</a:t>
+            </a:r>
+            <a:r>
+              <a:rPr lang="en-US" dirty="0" smtClean="0"/>
+              <a:t> </a:t>
+            </a:r>
             <a:r>
               <a:rPr lang="ru-RU" dirty="0" smtClean="0"/>
-              <a:t>Обновление информации о ребенке</a:t>
-            </a:r>
-          </a:p>
-          <a:p>
-            <a:pPr>
-              <a:buFont typeface="Wingdings" pitchFamily="2" charset="2"/>
-              <a:buChar char="q"/>
-            </a:pPr>
-            <a:r>
-              <a:rPr lang="ru-RU" dirty="0" smtClean="0"/>
-              <a:t>Вывод статистических данных</a:t>
-            </a:r>
-          </a:p>
-          <a:p>
-            <a:pPr>
-              <a:buFont typeface="Wingdings" pitchFamily="2" charset="2"/>
-              <a:buChar char="q"/>
-            </a:pPr>
-            <a:r>
-              <a:rPr lang="ru-RU" dirty="0" smtClean="0"/>
-              <a:t>Создание и инициализация уведомлений (</a:t>
-            </a:r>
-            <a:r>
-              <a:rPr lang="ru-RU" dirty="0" err="1" smtClean="0"/>
-              <a:t>напоминалок</a:t>
-            </a:r>
-            <a:r>
-              <a:rPr lang="ru-RU" dirty="0" smtClean="0"/>
-              <a:t>)</a:t>
-            </a:r>
-          </a:p>
-          <a:p>
-            <a:pPr>
-              <a:buFont typeface="Wingdings" pitchFamily="2" charset="2"/>
-              <a:buChar char="q"/>
-            </a:pPr>
-            <a:r>
-              <a:rPr lang="ru-RU" dirty="0" smtClean="0"/>
-              <a:t>Синхронизация данных с сервером</a:t>
-            </a:r>
-          </a:p>
-          <a:p>
-            <a:pPr>
-              <a:buNone/>
-            </a:pPr>
-            <a:endParaRPr lang="ru-RU" dirty="0" smtClean="0"/>
-          </a:p>
-          <a:p>
-            <a:pPr>
-              <a:buNone/>
-            </a:pPr>
-            <a:endParaRPr lang="ru-RU" dirty="0"/>
+              <a:t>конкурентоспособного мобильного приложения для ведения истории развития ребенка.</a:t>
+            </a:r>
           </a:p>
         </p:txBody>
       </p:sp>
@@ -4630,48 +5050,87 @@
           <a:bodyPr/>
           <a:lstStyle/>
           <a:p>
+            <a:pPr algn="ctr"/>
             <a:r>
               <a:rPr lang="ru-RU" dirty="0" smtClean="0"/>
-              <a:t>Диаграмма прецедентов</a:t>
+              <a:t>Актуальность выбранной темы</a:t>
             </a:r>
             <a:endParaRPr lang="ru-RU" dirty="0"/>
           </a:p>
         </p:txBody>
       </p:sp>
-      <p:pic>
-        <p:nvPicPr>
-          <p:cNvPr id="4100" name="Picture 4"/>
-          <p:cNvPicPr>
-            <a:picLocks noGrp="1" noChangeAspect="1" noChangeArrowheads="1"/>
-          </p:cNvPicPr>
+      <p:sp>
+        <p:nvSpPr>
+          <p:cNvPr id="3" name="Содержимое 2"/>
+          <p:cNvSpPr>
+            <a:spLocks noGrp="1"/>
+          </p:cNvSpPr>
           <p:nvPr>
             <p:ph sz="quarter" idx="1"/>
           </p:nvPr>
-        </p:nvPicPr>
-        <p:blipFill>
-          <a:blip r:embed="rId2" cstate="print"/>
-          <a:srcRect/>
-          <a:stretch>
-            <a:fillRect/>
-          </a:stretch>
-        </p:blipFill>
-        <p:spPr bwMode="auto">
-          <a:xfrm>
-            <a:off x="395536" y="1556792"/>
-            <a:ext cx="8300058" cy="3572676"/>
-          </a:xfrm>
-          <a:prstGeom prst="rect">
-            <a:avLst/>
-          </a:prstGeom>
-          <a:noFill/>
-          <a:ln w="9525">
-            <a:noFill/>
-            <a:miter lim="800000"/>
-            <a:headEnd/>
-            <a:tailEnd/>
-          </a:ln>
-        </p:spPr>
-      </p:pic>
+        </p:nvSpPr>
+        <p:spPr/>
+        <p:txBody>
+          <a:bodyPr/>
+          <a:lstStyle/>
+          <a:p>
+            <a:pPr>
+              <a:buFont typeface="Wingdings" pitchFamily="2" charset="2"/>
+              <a:buChar char="q"/>
+            </a:pPr>
+            <a:r>
+              <a:rPr lang="ru-RU" dirty="0" smtClean="0">
+                <a:latin typeface="Times New Roman" pitchFamily="18" charset="0"/>
+                <a:cs typeface="Times New Roman" pitchFamily="18" charset="0"/>
+              </a:rPr>
+              <a:t>Увеличение объема продаж мобильных устройств</a:t>
+            </a:r>
+          </a:p>
+          <a:p>
+            <a:pPr>
+              <a:buFont typeface="Wingdings" pitchFamily="2" charset="2"/>
+              <a:buChar char="q"/>
+            </a:pPr>
+            <a:r>
+              <a:rPr lang="ru-RU" dirty="0" smtClean="0">
+                <a:latin typeface="Times New Roman" pitchFamily="18" charset="0"/>
+                <a:cs typeface="Times New Roman" pitchFamily="18" charset="0"/>
+              </a:rPr>
+              <a:t>Снижение стоимости трафика мобильного интернета</a:t>
+            </a:r>
+          </a:p>
+          <a:p>
+            <a:pPr>
+              <a:buFont typeface="Wingdings" pitchFamily="2" charset="2"/>
+              <a:buChar char="q"/>
+            </a:pPr>
+            <a:r>
+              <a:rPr lang="ru-RU" dirty="0" smtClean="0">
+                <a:latin typeface="Times New Roman" pitchFamily="18" charset="0"/>
+                <a:cs typeface="Times New Roman" pitchFamily="18" charset="0"/>
+              </a:rPr>
+              <a:t>Стремительные темпы роста рынка мобильных приложений</a:t>
+            </a:r>
+          </a:p>
+          <a:p>
+            <a:pPr>
+              <a:buFont typeface="Wingdings" pitchFamily="2" charset="2"/>
+              <a:buChar char="q"/>
+            </a:pPr>
+            <a:r>
+              <a:rPr lang="ru-RU" dirty="0" smtClean="0">
+                <a:latin typeface="Times New Roman" pitchFamily="18" charset="0"/>
+                <a:cs typeface="Times New Roman" pitchFamily="18" charset="0"/>
+              </a:rPr>
+              <a:t>Изменение модели потребления – Глобальная Мобилизация</a:t>
+            </a:r>
+            <a:endParaRPr lang="ru-RU" dirty="0">
+              <a:latin typeface="Times New Roman" pitchFamily="18" charset="0"/>
+              <a:cs typeface="Times New Roman" pitchFamily="18" charset="0"/>
+            </a:endParaRPr>
+          </a:p>
+        </p:txBody>
+      </p:sp>
     </p:spTree>
   </p:cSld>
   <p:clrMapOvr>
@@ -4709,37 +5168,61 @@
         </p:nvSpPr>
         <p:spPr/>
         <p:txBody>
-          <a:bodyPr/>
-          <a:lstStyle/>
-          <a:p>
+          <a:bodyPr>
+            <a:normAutofit fontScale="90000"/>
+          </a:bodyPr>
+          <a:lstStyle/>
+          <a:p>
+            <a:pPr algn="ctr"/>
+            <a:r>
+              <a:rPr lang="ru-RU" b="1" dirty="0" smtClean="0"/>
+              <a:t>Проектирование</a:t>
+            </a:r>
+            <a:br>
+              <a:rPr lang="ru-RU" b="1" dirty="0" smtClean="0"/>
+            </a:br>
             <a:r>
               <a:rPr lang="ru-RU" dirty="0" smtClean="0"/>
-              <a:t>Конкуренты</a:t>
-            </a:r>
-            <a:endParaRPr lang="ru-RU" dirty="0"/>
-          </a:p>
-        </p:txBody>
-      </p:sp>
-      <p:graphicFrame>
-        <p:nvGraphicFramePr>
-          <p:cNvPr id="4" name="Содержимое 3"/>
-          <p:cNvGraphicFramePr>
-            <a:graphicFrameLocks noGrp="1"/>
-          </p:cNvGraphicFramePr>
+              <a:t>Диаграмма прецедентов</a:t>
+            </a:r>
+            <a:endParaRPr lang="ru-RU" b="1" dirty="0"/>
+          </a:p>
+        </p:txBody>
+      </p:sp>
+      <p:pic>
+        <p:nvPicPr>
+          <p:cNvPr id="1028" name="Picture 4"/>
+          <p:cNvPicPr>
+            <a:picLocks noGrp="1" noChangeAspect="1" noChangeArrowheads="1"/>
+          </p:cNvPicPr>
           <p:nvPr>
             <p:ph sz="quarter" idx="1"/>
           </p:nvPr>
-        </p:nvGraphicFramePr>
-        <p:xfrm>
-          <a:off x="457200" y="1219200"/>
-          <a:ext cx="8229600" cy="4937125"/>
-        </p:xfrm>
-        <a:graphic>
-          <a:graphicData uri="http://schemas.openxmlformats.org/drawingml/2006/chart">
-            <c:chart xmlns:c="http://schemas.openxmlformats.org/drawingml/2006/chart" xmlns:r="http://schemas.openxmlformats.org/officeDocument/2006/relationships" r:id="rId2"/>
-          </a:graphicData>
-        </a:graphic>
-      </p:graphicFrame>
+        </p:nvPicPr>
+        <p:blipFill>
+          <a:blip r:embed="rId2" cstate="print"/>
+          <a:srcRect/>
+          <a:stretch>
+            <a:fillRect/>
+          </a:stretch>
+        </p:blipFill>
+        <p:spPr bwMode="auto">
+          <a:xfrm>
+            <a:off x="457200" y="2009250"/>
+            <a:ext cx="8229600" cy="3357025"/>
+          </a:xfrm>
+          <a:prstGeom prst="rect">
+            <a:avLst/>
+          </a:prstGeom>
+          <a:noFill/>
+          <a:ln w="9525">
+            <a:noFill/>
+            <a:miter lim="800000"/>
+            <a:headEnd/>
+            <a:tailEnd/>
+          </a:ln>
+        </p:spPr>
+      </p:pic>
     </p:spTree>
   </p:cSld>
   <p:clrMapOvr>
@@ -4780,34 +5263,427 @@
           <a:bodyPr/>
           <a:lstStyle/>
           <a:p>
+            <a:pPr algn="ctr"/>
             <a:r>
               <a:rPr lang="ru-RU" dirty="0" smtClean="0"/>
-              <a:t>Конкуренты</a:t>
+              <a:t>Концептуальная модель базы данных</a:t>
             </a:r>
             <a:endParaRPr lang="ru-RU" dirty="0"/>
           </a:p>
         </p:txBody>
       </p:sp>
-      <p:graphicFrame>
-        <p:nvGraphicFramePr>
-          <p:cNvPr id="4" name="Содержимое 3"/>
-          <p:cNvGraphicFramePr>
-            <a:graphicFrameLocks noGrp="1"/>
-          </p:cNvGraphicFramePr>
+      <p:pic>
+        <p:nvPicPr>
+          <p:cNvPr id="2053" name="Picture 5"/>
+          <p:cNvPicPr>
+            <a:picLocks noGrp="1" noChangeAspect="1" noChangeArrowheads="1"/>
+          </p:cNvPicPr>
           <p:nvPr>
             <p:ph sz="quarter" idx="1"/>
           </p:nvPr>
-        </p:nvGraphicFramePr>
-        <p:xfrm>
-          <a:off x="457200" y="1219200"/>
-          <a:ext cx="8229600" cy="4937125"/>
-        </p:xfrm>
-        <a:graphic>
-          <a:graphicData uri="http://schemas.openxmlformats.org/drawingml/2006/chart">
-            <c:chart xmlns:c="http://schemas.openxmlformats.org/drawingml/2006/chart" xmlns:r="http://schemas.openxmlformats.org/officeDocument/2006/relationships" r:id="rId2"/>
-          </a:graphicData>
-        </a:graphic>
-      </p:graphicFrame>
+        </p:nvPicPr>
+        <p:blipFill>
+          <a:blip r:embed="rId2" cstate="print"/>
+          <a:srcRect/>
+          <a:stretch>
+            <a:fillRect/>
+          </a:stretch>
+        </p:blipFill>
+        <p:spPr bwMode="auto">
+          <a:xfrm>
+            <a:off x="1395412" y="1825625"/>
+            <a:ext cx="6353175" cy="3724275"/>
+          </a:xfrm>
+          <a:prstGeom prst="rect">
+            <a:avLst/>
+          </a:prstGeom>
+          <a:noFill/>
+          <a:ln w="9525">
+            <a:noFill/>
+            <a:miter lim="800000"/>
+            <a:headEnd/>
+            <a:tailEnd/>
+          </a:ln>
+        </p:spPr>
+      </p:pic>
+    </p:spTree>
+  </p:cSld>
+  <p:clrMapOvr>
+    <a:masterClrMapping/>
+  </p:clrMapOvr>
+  <p:timing>
+    <p:tnLst>
+      <p:par>
+        <p:cTn id="1" dur="indefinite" restart="never" nodeType="tmRoot"/>
+      </p:par>
+    </p:tnLst>
+  </p:timing>
+</p:sld>
+</file>
+
+<file path=ppt/slides/slide7.xml><?xml version="1.0" encoding="utf-8"?>
+<p:sld xmlns:a="http://schemas.openxmlformats.org/drawingml/2006/main" xmlns:r="http://schemas.openxmlformats.org/officeDocument/2006/relationships" xmlns:p="http://schemas.openxmlformats.org/presentationml/2006/main">
+  <p:cSld>
+    <p:spTree>
+      <p:nvGrpSpPr>
+        <p:cNvPr id="1" name=""/>
+        <p:cNvGrpSpPr/>
+        <p:nvPr/>
+      </p:nvGrpSpPr>
+      <p:grpSpPr>
+        <a:xfrm>
+          <a:off x="0" y="0"/>
+          <a:ext cx="0" cy="0"/>
+          <a:chOff x="0" y="0"/>
+          <a:chExt cx="0" cy="0"/>
+        </a:xfrm>
+      </p:grpSpPr>
+      <p:sp>
+        <p:nvSpPr>
+          <p:cNvPr id="2" name="Заголовок 1"/>
+          <p:cNvSpPr>
+            <a:spLocks noGrp="1"/>
+          </p:cNvSpPr>
+          <p:nvPr>
+            <p:ph type="title"/>
+          </p:nvPr>
+        </p:nvSpPr>
+        <p:spPr/>
+        <p:txBody>
+          <a:bodyPr/>
+          <a:lstStyle/>
+          <a:p>
+            <a:pPr algn="ctr"/>
+            <a:r>
+              <a:rPr lang="en-US" dirty="0" err="1" smtClean="0"/>
+              <a:t>Uml</a:t>
+            </a:r>
+            <a:r>
+              <a:rPr lang="en-US" dirty="0" smtClean="0"/>
+              <a:t> </a:t>
+            </a:r>
+            <a:r>
+              <a:rPr lang="ru-RU" dirty="0" smtClean="0"/>
+              <a:t>диаграмма классов</a:t>
+            </a:r>
+            <a:endParaRPr lang="ru-RU" dirty="0"/>
+          </a:p>
+        </p:txBody>
+      </p:sp>
+      <p:sp>
+        <p:nvSpPr>
+          <p:cNvPr id="3" name="Содержимое 2"/>
+          <p:cNvSpPr>
+            <a:spLocks noGrp="1"/>
+          </p:cNvSpPr>
+          <p:nvPr>
+            <p:ph sz="quarter" idx="1"/>
+          </p:nvPr>
+        </p:nvSpPr>
+        <p:spPr/>
+        <p:txBody>
+          <a:bodyPr/>
+          <a:lstStyle/>
+          <a:p>
+            <a:endParaRPr lang="ru-RU"/>
+          </a:p>
+        </p:txBody>
+      </p:sp>
+    </p:spTree>
+  </p:cSld>
+  <p:clrMapOvr>
+    <a:masterClrMapping/>
+  </p:clrMapOvr>
+</p:sld>
+</file>
+
+<file path=ppt/slides/slide8.xml><?xml version="1.0" encoding="utf-8"?>
+<p:sld xmlns:a="http://schemas.openxmlformats.org/drawingml/2006/main" xmlns:r="http://schemas.openxmlformats.org/officeDocument/2006/relationships" xmlns:p="http://schemas.openxmlformats.org/presentationml/2006/main">
+  <p:cSld>
+    <p:spTree>
+      <p:nvGrpSpPr>
+        <p:cNvPr id="1" name=""/>
+        <p:cNvGrpSpPr/>
+        <p:nvPr/>
+      </p:nvGrpSpPr>
+      <p:grpSpPr>
+        <a:xfrm>
+          <a:off x="0" y="0"/>
+          <a:ext cx="0" cy="0"/>
+          <a:chOff x="0" y="0"/>
+          <a:chExt cx="0" cy="0"/>
+        </a:xfrm>
+      </p:grpSpPr>
+      <p:sp>
+        <p:nvSpPr>
+          <p:cNvPr id="2" name="Заголовок 1"/>
+          <p:cNvSpPr>
+            <a:spLocks noGrp="1"/>
+          </p:cNvSpPr>
+          <p:nvPr>
+            <p:ph type="title"/>
+          </p:nvPr>
+        </p:nvSpPr>
+        <p:spPr/>
+        <p:txBody>
+          <a:bodyPr/>
+          <a:lstStyle/>
+          <a:p>
+            <a:r>
+              <a:rPr lang="ru-RU" dirty="0" smtClean="0"/>
+              <a:t>Использованные программные средства</a:t>
+            </a:r>
+            <a:endParaRPr lang="ru-RU" dirty="0"/>
+          </a:p>
+        </p:txBody>
+      </p:sp>
+      <p:sp>
+        <p:nvSpPr>
+          <p:cNvPr id="3" name="Содержимое 2"/>
+          <p:cNvSpPr>
+            <a:spLocks noGrp="1"/>
+          </p:cNvSpPr>
+          <p:nvPr>
+            <p:ph sz="quarter" idx="1"/>
+          </p:nvPr>
+        </p:nvSpPr>
+        <p:spPr/>
+        <p:txBody>
+          <a:bodyPr/>
+          <a:lstStyle/>
+          <a:p>
+            <a:r>
+              <a:rPr lang="en-US" sz="1800" dirty="0" smtClean="0">
+                <a:latin typeface="Times New Roman" pitchFamily="18" charset="0"/>
+                <a:cs typeface="Times New Roman" pitchFamily="18" charset="0"/>
+              </a:rPr>
+              <a:t>Eclipse Platform</a:t>
+            </a:r>
+            <a:r>
+              <a:rPr lang="ru-RU" sz="1800" dirty="0" smtClean="0">
+                <a:latin typeface="Times New Roman" pitchFamily="18" charset="0"/>
+                <a:cs typeface="Times New Roman" pitchFamily="18" charset="0"/>
+              </a:rPr>
+              <a:t> (</a:t>
+            </a:r>
+            <a:r>
+              <a:rPr lang="en-US" sz="1800" dirty="0" smtClean="0">
+                <a:latin typeface="Times New Roman" pitchFamily="18" charset="0"/>
+                <a:cs typeface="Times New Roman" pitchFamily="18" charset="0"/>
+              </a:rPr>
+              <a:t>Version: 3.8.0</a:t>
+            </a:r>
+            <a:r>
+              <a:rPr lang="ru-RU" sz="1800" dirty="0" smtClean="0">
+                <a:latin typeface="Times New Roman" pitchFamily="18" charset="0"/>
+                <a:cs typeface="Times New Roman" pitchFamily="18" charset="0"/>
+              </a:rPr>
+              <a:t>)</a:t>
+            </a:r>
+          </a:p>
+          <a:p>
+            <a:r>
+              <a:rPr lang="en-US" sz="1800" dirty="0" smtClean="0">
+                <a:latin typeface="Times New Roman" pitchFamily="18" charset="0"/>
+                <a:cs typeface="Times New Roman" pitchFamily="18" charset="0"/>
+              </a:rPr>
+              <a:t>Android Developer Tools</a:t>
+            </a:r>
+            <a:r>
+              <a:rPr lang="ru-RU" sz="1800" dirty="0" smtClean="0">
+                <a:latin typeface="Times New Roman" pitchFamily="18" charset="0"/>
+                <a:cs typeface="Times New Roman" pitchFamily="18" charset="0"/>
+              </a:rPr>
+              <a:t> (</a:t>
+            </a:r>
+            <a:r>
+              <a:rPr lang="en-US" sz="1800" dirty="0" smtClean="0">
+                <a:latin typeface="Times New Roman" pitchFamily="18" charset="0"/>
+                <a:cs typeface="Times New Roman" pitchFamily="18" charset="0"/>
+              </a:rPr>
+              <a:t>Build: v21.0.1-543035</a:t>
+            </a:r>
+            <a:r>
+              <a:rPr lang="ru-RU" sz="1800" dirty="0" smtClean="0">
+                <a:latin typeface="Times New Roman" pitchFamily="18" charset="0"/>
+                <a:cs typeface="Times New Roman" pitchFamily="18" charset="0"/>
+              </a:rPr>
+              <a:t>)</a:t>
+            </a:r>
+          </a:p>
+          <a:p>
+            <a:r>
+              <a:rPr lang="en-US" sz="1800" dirty="0" smtClean="0">
+                <a:latin typeface="Times New Roman" pitchFamily="18" charset="0"/>
+                <a:cs typeface="Times New Roman" pitchFamily="18" charset="0"/>
+              </a:rPr>
+              <a:t>Microsoft Visio 2010</a:t>
+            </a:r>
+          </a:p>
+          <a:p>
+            <a:endParaRPr lang="ru-RU" dirty="0" smtClean="0">
+              <a:latin typeface="Times New Roman" pitchFamily="18" charset="0"/>
+              <a:cs typeface="Times New Roman" pitchFamily="18" charset="0"/>
+            </a:endParaRPr>
+          </a:p>
+        </p:txBody>
+      </p:sp>
+    </p:spTree>
+  </p:cSld>
+  <p:clrMapOvr>
+    <a:masterClrMapping/>
+  </p:clrMapOvr>
+</p:sld>
+</file>
+
+<file path=ppt/slides/slide9.xml><?xml version="1.0" encoding="utf-8"?>
+<p:sld xmlns:a="http://schemas.openxmlformats.org/drawingml/2006/main" xmlns:r="http://schemas.openxmlformats.org/officeDocument/2006/relationships" xmlns:p="http://schemas.openxmlformats.org/presentationml/2006/main">
+  <p:cSld>
+    <p:spTree>
+      <p:nvGrpSpPr>
+        <p:cNvPr id="1" name=""/>
+        <p:cNvGrpSpPr/>
+        <p:nvPr/>
+      </p:nvGrpSpPr>
+      <p:grpSpPr>
+        <a:xfrm>
+          <a:off x="0" y="0"/>
+          <a:ext cx="0" cy="0"/>
+          <a:chOff x="0" y="0"/>
+          <a:chExt cx="0" cy="0"/>
+        </a:xfrm>
+      </p:grpSpPr>
+      <p:sp>
+        <p:nvSpPr>
+          <p:cNvPr id="2" name="Заголовок 1"/>
+          <p:cNvSpPr>
+            <a:spLocks noGrp="1"/>
+          </p:cNvSpPr>
+          <p:nvPr>
+            <p:ph type="title"/>
+          </p:nvPr>
+        </p:nvSpPr>
+        <p:spPr/>
+        <p:txBody>
+          <a:bodyPr/>
+          <a:lstStyle/>
+          <a:p>
+            <a:pPr algn="ctr"/>
+            <a:r>
+              <a:rPr lang="ru-RU" dirty="0" smtClean="0"/>
+              <a:t>Функции приложения</a:t>
+            </a:r>
+            <a:endParaRPr lang="ru-RU" dirty="0"/>
+          </a:p>
+        </p:txBody>
+      </p:sp>
+      <p:sp>
+        <p:nvSpPr>
+          <p:cNvPr id="3" name="Содержимое 2"/>
+          <p:cNvSpPr>
+            <a:spLocks noGrp="1"/>
+          </p:cNvSpPr>
+          <p:nvPr>
+            <p:ph sz="quarter" idx="1"/>
+          </p:nvPr>
+        </p:nvSpPr>
+        <p:spPr/>
+        <p:txBody>
+          <a:bodyPr/>
+          <a:lstStyle/>
+          <a:p>
+            <a:pPr>
+              <a:buFont typeface="Wingdings" pitchFamily="2" charset="2"/>
+              <a:buChar char="q"/>
+            </a:pPr>
+            <a:r>
+              <a:rPr lang="ru-RU" dirty="0" smtClean="0">
+                <a:latin typeface="Times New Roman" pitchFamily="18" charset="0"/>
+                <a:cs typeface="Times New Roman" pitchFamily="18" charset="0"/>
+              </a:rPr>
+              <a:t>Регистрация пользователя</a:t>
+            </a:r>
+          </a:p>
+          <a:p>
+            <a:pPr>
+              <a:buFont typeface="Wingdings" pitchFamily="2" charset="2"/>
+              <a:buChar char="q"/>
+            </a:pPr>
+            <a:r>
+              <a:rPr lang="ru-RU" dirty="0" smtClean="0">
+                <a:latin typeface="Times New Roman" pitchFamily="18" charset="0"/>
+                <a:cs typeface="Times New Roman" pitchFamily="18" charset="0"/>
+              </a:rPr>
+              <a:t>Авторизация пользователя</a:t>
+            </a:r>
+          </a:p>
+          <a:p>
+            <a:pPr>
+              <a:buFont typeface="Wingdings" pitchFamily="2" charset="2"/>
+              <a:buChar char="q"/>
+            </a:pPr>
+            <a:r>
+              <a:rPr lang="ru-RU" dirty="0" smtClean="0">
+                <a:latin typeface="Times New Roman" pitchFamily="18" charset="0"/>
+                <a:cs typeface="Times New Roman" pitchFamily="18" charset="0"/>
+              </a:rPr>
+              <a:t>Обновление информации о ребенке</a:t>
+            </a:r>
+          </a:p>
+          <a:p>
+            <a:pPr>
+              <a:buFont typeface="Wingdings" pitchFamily="2" charset="2"/>
+              <a:buChar char="q"/>
+            </a:pPr>
+            <a:r>
+              <a:rPr lang="ru-RU" dirty="0" smtClean="0">
+                <a:latin typeface="Times New Roman" pitchFamily="18" charset="0"/>
+                <a:cs typeface="Times New Roman" pitchFamily="18" charset="0"/>
+              </a:rPr>
+              <a:t>Создание и инициализация уведомлений (</a:t>
+            </a:r>
+            <a:r>
+              <a:rPr lang="ru-RU" dirty="0" err="1" smtClean="0">
+                <a:latin typeface="Times New Roman" pitchFamily="18" charset="0"/>
+                <a:cs typeface="Times New Roman" pitchFamily="18" charset="0"/>
+              </a:rPr>
+              <a:t>напоминалок</a:t>
+            </a:r>
+            <a:r>
+              <a:rPr lang="ru-RU" dirty="0" smtClean="0">
+                <a:latin typeface="Times New Roman" pitchFamily="18" charset="0"/>
+                <a:cs typeface="Times New Roman" pitchFamily="18" charset="0"/>
+              </a:rPr>
+              <a:t>)</a:t>
+            </a:r>
+          </a:p>
+          <a:p>
+            <a:pPr>
+              <a:buFont typeface="Wingdings" pitchFamily="2" charset="2"/>
+              <a:buChar char="q"/>
+            </a:pPr>
+            <a:r>
+              <a:rPr lang="ru-RU" dirty="0" smtClean="0">
+                <a:latin typeface="Times New Roman" pitchFamily="18" charset="0"/>
+                <a:cs typeface="Times New Roman" pitchFamily="18" charset="0"/>
+              </a:rPr>
+              <a:t>Синхронизация данных с сервером</a:t>
+            </a:r>
+          </a:p>
+          <a:p>
+            <a:pPr>
+              <a:buNone/>
+            </a:pPr>
+            <a:endParaRPr lang="ru-RU" dirty="0" smtClean="0"/>
+          </a:p>
+          <a:p>
+            <a:pPr>
+              <a:buNone/>
+            </a:pPr>
+            <a:endParaRPr lang="ru-RU" dirty="0"/>
+          </a:p>
+        </p:txBody>
+      </p:sp>
     </p:spTree>
   </p:cSld>
   <p:clrMapOvr>

--- a/Разработка приложения «Карта развития ребенка» под.pptx
+++ b/Разработка приложения «Карта развития ребенка» под.pptx
@@ -183,24 +183,24 @@
             </c:numRef>
           </c:val>
         </c:ser>
-        <c:axId val="62489344"/>
-        <c:axId val="62490880"/>
+        <c:axId val="84050688"/>
+        <c:axId val="84052224"/>
       </c:barChart>
       <c:catAx>
-        <c:axId val="62489344"/>
+        <c:axId val="84050688"/>
         <c:scaling>
           <c:orientation val="minMax"/>
         </c:scaling>
         <c:axPos val="b"/>
         <c:tickLblPos val="nextTo"/>
-        <c:crossAx val="62490880"/>
+        <c:crossAx val="84052224"/>
         <c:crosses val="autoZero"/>
         <c:auto val="1"/>
         <c:lblAlgn val="ctr"/>
         <c:lblOffset val="100"/>
       </c:catAx>
       <c:valAx>
-        <c:axId val="62490880"/>
+        <c:axId val="84052224"/>
         <c:scaling>
           <c:orientation val="minMax"/>
         </c:scaling>
@@ -208,7 +208,7 @@
         <c:majorGridlines/>
         <c:numFmt formatCode="#,##0.00&quot;р.&quot;" sourceLinked="1"/>
         <c:tickLblPos val="nextTo"/>
-        <c:crossAx val="62489344"/>
+        <c:crossAx val="84050688"/>
         <c:crosses val="autoZero"/>
         <c:crossBetween val="between"/>
       </c:valAx>
@@ -286,24 +286,24 @@
             </c:numRef>
           </c:val>
         </c:ser>
-        <c:axId val="63572224"/>
-        <c:axId val="63590400"/>
+        <c:axId val="84084992"/>
+        <c:axId val="84103168"/>
       </c:barChart>
       <c:catAx>
-        <c:axId val="63572224"/>
+        <c:axId val="84084992"/>
         <c:scaling>
           <c:orientation val="minMax"/>
         </c:scaling>
         <c:axPos val="b"/>
         <c:tickLblPos val="nextTo"/>
-        <c:crossAx val="63590400"/>
+        <c:crossAx val="84103168"/>
         <c:crosses val="autoZero"/>
         <c:auto val="1"/>
         <c:lblAlgn val="ctr"/>
         <c:lblOffset val="100"/>
       </c:catAx>
       <c:valAx>
-        <c:axId val="63590400"/>
+        <c:axId val="84103168"/>
         <c:scaling>
           <c:orientation val="minMax"/>
         </c:scaling>
@@ -311,7 +311,7 @@
         <c:majorGridlines/>
         <c:numFmt formatCode="General" sourceLinked="1"/>
         <c:tickLblPos val="nextTo"/>
-        <c:crossAx val="63572224"/>
+        <c:crossAx val="84084992"/>
         <c:crosses val="autoZero"/>
         <c:crossBetween val="between"/>
       </c:valAx>
@@ -470,7 +470,7 @@
             <a:fld id="{DC64BE75-963E-437A-A34F-B34FEDFB7E90}" type="datetimeFigureOut">
               <a:rPr lang="ru-RU" smtClean="0"/>
               <a:pPr/>
-              <a:t>12.06.2013</a:t>
+              <a:t>13.06.2013</a:t>
             </a:fld>
             <a:endParaRPr lang="ru-RU"/>
           </a:p>
@@ -831,7 +831,7 @@
             <a:fld id="{DC64BE75-963E-437A-A34F-B34FEDFB7E90}" type="datetimeFigureOut">
               <a:rPr lang="ru-RU" smtClean="0"/>
               <a:pPr/>
-              <a:t>12.06.2013</a:t>
+              <a:t>13.06.2013</a:t>
             </a:fld>
             <a:endParaRPr lang="ru-RU"/>
           </a:p>
@@ -1008,7 +1008,7 @@
             <a:fld id="{DC64BE75-963E-437A-A34F-B34FEDFB7E90}" type="datetimeFigureOut">
               <a:rPr lang="ru-RU" smtClean="0"/>
               <a:pPr/>
-              <a:t>12.06.2013</a:t>
+              <a:t>13.06.2013</a:t>
             </a:fld>
             <a:endParaRPr lang="ru-RU"/>
           </a:p>
@@ -1245,7 +1245,7 @@
             <a:fld id="{DC64BE75-963E-437A-A34F-B34FEDFB7E90}" type="datetimeFigureOut">
               <a:rPr lang="ru-RU" smtClean="0"/>
               <a:pPr/>
-              <a:t>12.06.2013</a:t>
+              <a:t>13.06.2013</a:t>
             </a:fld>
             <a:endParaRPr lang="ru-RU"/>
           </a:p>
@@ -1516,7 +1516,7 @@
             <a:fld id="{DC64BE75-963E-437A-A34F-B34FEDFB7E90}" type="datetimeFigureOut">
               <a:rPr lang="ru-RU" smtClean="0"/>
               <a:pPr/>
-              <a:t>12.06.2013</a:t>
+              <a:t>13.06.2013</a:t>
             </a:fld>
             <a:endParaRPr lang="ru-RU"/>
           </a:p>
@@ -1738,7 +1738,7 @@
             <a:fld id="{DC64BE75-963E-437A-A34F-B34FEDFB7E90}" type="datetimeFigureOut">
               <a:rPr lang="ru-RU" smtClean="0"/>
               <a:pPr/>
-              <a:t>12.06.2013</a:t>
+              <a:t>13.06.2013</a:t>
             </a:fld>
             <a:endParaRPr lang="ru-RU"/>
           </a:p>
@@ -2092,7 +2092,7 @@
             <a:fld id="{DC64BE75-963E-437A-A34F-B34FEDFB7E90}" type="datetimeFigureOut">
               <a:rPr lang="ru-RU" smtClean="0"/>
               <a:pPr/>
-              <a:t>12.06.2013</a:t>
+              <a:t>13.06.2013</a:t>
             </a:fld>
             <a:endParaRPr lang="ru-RU"/>
           </a:p>
@@ -2326,7 +2326,7 @@
             <a:fld id="{DC64BE75-963E-437A-A34F-B34FEDFB7E90}" type="datetimeFigureOut">
               <a:rPr lang="ru-RU" smtClean="0"/>
               <a:pPr/>
-              <a:t>12.06.2013</a:t>
+              <a:t>13.06.2013</a:t>
             </a:fld>
             <a:endParaRPr lang="ru-RU"/>
           </a:p>
@@ -2468,7 +2468,7 @@
             <a:fld id="{DC64BE75-963E-437A-A34F-B34FEDFB7E90}" type="datetimeFigureOut">
               <a:rPr lang="ru-RU" smtClean="0"/>
               <a:pPr/>
-              <a:t>12.06.2013</a:t>
+              <a:t>13.06.2013</a:t>
             </a:fld>
             <a:endParaRPr lang="ru-RU"/>
           </a:p>
@@ -2747,7 +2747,7 @@
             <a:fld id="{DC64BE75-963E-437A-A34F-B34FEDFB7E90}" type="datetimeFigureOut">
               <a:rPr lang="ru-RU" smtClean="0"/>
               <a:pPr/>
-              <a:t>12.06.2013</a:t>
+              <a:t>13.06.2013</a:t>
             </a:fld>
             <a:endParaRPr lang="ru-RU"/>
           </a:p>
@@ -3156,7 +3156,7 @@
             <a:fld id="{DC64BE75-963E-437A-A34F-B34FEDFB7E90}" type="datetimeFigureOut">
               <a:rPr lang="ru-RU" smtClean="0"/>
               <a:pPr/>
-              <a:t>12.06.2013</a:t>
+              <a:t>13.06.2013</a:t>
             </a:fld>
             <a:endParaRPr lang="ru-RU"/>
           </a:p>
@@ -3496,7 +3496,7 @@
             <a:fld id="{DC64BE75-963E-437A-A34F-B34FEDFB7E90}" type="datetimeFigureOut">
               <a:rPr lang="ru-RU" smtClean="0"/>
               <a:pPr/>
-              <a:t>12.06.2013</a:t>
+              <a:t>13.06.2013</a:t>
             </a:fld>
             <a:endParaRPr lang="ru-RU"/>
           </a:p>
@@ -4542,7 +4542,7 @@
             </a:r>
           </a:p>
           <a:p>
-            <a:pPr>
+            <a:pPr lvl="1">
               <a:buFont typeface="Wingdings" pitchFamily="2" charset="2"/>
               <a:buChar char="q"/>
             </a:pPr>
@@ -4555,7 +4555,7 @@
             </a:r>
           </a:p>
           <a:p>
-            <a:pPr>
+            <a:pPr lvl="1">
               <a:buFont typeface="Wingdings" pitchFamily="2" charset="2"/>
               <a:buChar char="q"/>
             </a:pPr>
@@ -4580,7 +4580,7 @@
             </a:r>
           </a:p>
           <a:p>
-            <a:pPr>
+            <a:pPr lvl="1">
               <a:buFont typeface="Wingdings" pitchFamily="2" charset="2"/>
               <a:buChar char="q"/>
             </a:pPr>
@@ -4589,8 +4589,12 @@
                 <a:latin typeface="Times New Roman" pitchFamily="18" charset="0"/>
                 <a:cs typeface="Times New Roman" pitchFamily="18" charset="0"/>
               </a:rPr>
-              <a:t>…</a:t>
-            </a:r>
+              <a:t>Возможен большой объем занимаемой памяти</a:t>
+            </a:r>
+            <a:endParaRPr lang="ru-RU" dirty="0" smtClean="0">
+              <a:latin typeface="Times New Roman" pitchFamily="18" charset="0"/>
+              <a:cs typeface="Times New Roman" pitchFamily="18" charset="0"/>
+            </a:endParaRPr>
           </a:p>
           <a:p>
             <a:pPr>
@@ -4605,40 +4609,29 @@
             </a:r>
           </a:p>
           <a:p>
-            <a:pPr>
+            <a:pPr lvl="1">
               <a:buFont typeface="Wingdings" pitchFamily="2" charset="2"/>
               <a:buChar char="q"/>
             </a:pPr>
             <a:r>
-              <a:rPr lang="ru-RU" dirty="0" err="1" smtClean="0">
+              <a:rPr lang="ru-RU" dirty="0" smtClean="0">
                 <a:latin typeface="Times New Roman" pitchFamily="18" charset="0"/>
                 <a:cs typeface="Times New Roman" pitchFamily="18" charset="0"/>
               </a:rPr>
               <a:t>Кроссплатформенность</a:t>
             </a:r>
-            <a:endParaRPr lang="ru-RU" dirty="0" smtClean="0">
-              <a:latin typeface="Times New Roman" pitchFamily="18" charset="0"/>
-              <a:cs typeface="Times New Roman" pitchFamily="18" charset="0"/>
-            </a:endParaRPr>
-          </a:p>
-          <a:p>
-            <a:pPr>
+          </a:p>
+          <a:p>
+            <a:pPr lvl="1">
               <a:buFont typeface="Wingdings" pitchFamily="2" charset="2"/>
               <a:buChar char="q"/>
             </a:pPr>
-            <a:r>
-              <a:rPr lang="ru-RU" dirty="0" err="1" smtClean="0">
-                <a:latin typeface="Times New Roman" pitchFamily="18" charset="0"/>
-                <a:cs typeface="Times New Roman" pitchFamily="18" charset="0"/>
-              </a:rPr>
-              <a:t>Кастомизация</a:t>
-            </a:r>
             <a:r>
               <a:rPr lang="ru-RU" dirty="0" smtClean="0">
                 <a:latin typeface="Times New Roman" pitchFamily="18" charset="0"/>
                 <a:cs typeface="Times New Roman" pitchFamily="18" charset="0"/>
               </a:rPr>
-              <a:t> пользовательского интерфейса</a:t>
+              <a:t>Кастомизация пользовательского интерфейса</a:t>
             </a:r>
           </a:p>
         </p:txBody>
@@ -4844,7 +4837,10 @@
           <a:lstStyle/>
           <a:p>
             <a:r>
-              <a:rPr lang="ru-RU" dirty="0" smtClean="0"/>
+              <a:rPr lang="ru-RU" dirty="0" smtClean="0">
+                <a:latin typeface="Times New Roman" pitchFamily="18" charset="0"/>
+                <a:cs typeface="Times New Roman" pitchFamily="18" charset="0"/>
+              </a:rPr>
               <a:t>Цель работы: </a:t>
             </a:r>
           </a:p>
@@ -4854,17 +4850,26 @@
               <a:buChar char="q"/>
             </a:pPr>
             <a:r>
-              <a:rPr lang="ru-RU" dirty="0" smtClean="0"/>
+              <a:rPr lang="ru-RU" dirty="0" smtClean="0">
+                <a:latin typeface="Times New Roman" pitchFamily="18" charset="0"/>
+                <a:cs typeface="Times New Roman" pitchFamily="18" charset="0"/>
+              </a:rPr>
               <a:t>Разработать приложение для мобильной операционной системы </a:t>
             </a:r>
             <a:r>
-              <a:rPr lang="en-US" dirty="0" smtClean="0"/>
+              <a:rPr lang="en-US" dirty="0" smtClean="0">
+                <a:latin typeface="Times New Roman" pitchFamily="18" charset="0"/>
+                <a:cs typeface="Times New Roman" pitchFamily="18" charset="0"/>
+              </a:rPr>
               <a:t>Android</a:t>
             </a:r>
           </a:p>
           <a:p>
             <a:r>
-              <a:rPr lang="ru-RU" dirty="0" smtClean="0"/>
+              <a:rPr lang="ru-RU" dirty="0" smtClean="0">
+                <a:latin typeface="Times New Roman" pitchFamily="18" charset="0"/>
+                <a:cs typeface="Times New Roman" pitchFamily="18" charset="0"/>
+              </a:rPr>
               <a:t>Задачи: </a:t>
             </a:r>
           </a:p>
@@ -4874,12 +4879,11 @@
               <a:buChar char="q"/>
             </a:pPr>
             <a:r>
-              <a:rPr lang="ru-RU" dirty="0" smtClean="0"/>
-              <a:t>Проектирование </a:t>
-            </a:r>
-            <a:r>
-              <a:rPr lang="ru-RU" dirty="0" smtClean="0"/>
-              <a:t>базы данных</a:t>
+              <a:rPr lang="ru-RU" dirty="0" smtClean="0">
+                <a:latin typeface="Times New Roman" pitchFamily="18" charset="0"/>
+                <a:cs typeface="Times New Roman" pitchFamily="18" charset="0"/>
+              </a:rPr>
+              <a:t>Проектирование базы данных</a:t>
             </a:r>
           </a:p>
           <a:p>
@@ -4888,7 +4892,10 @@
               <a:buChar char="q"/>
             </a:pPr>
             <a:r>
-              <a:rPr lang="ru-RU" dirty="0" smtClean="0"/>
+              <a:rPr lang="ru-RU" dirty="0" smtClean="0">
+                <a:latin typeface="Times New Roman" pitchFamily="18" charset="0"/>
+                <a:cs typeface="Times New Roman" pitchFamily="18" charset="0"/>
+              </a:rPr>
               <a:t>Разработка пользовательского интерфейса</a:t>
             </a:r>
           </a:p>
@@ -4898,10 +4905,16 @@
               <a:buChar char="q"/>
             </a:pPr>
             <a:r>
-              <a:rPr lang="ru-RU" dirty="0" smtClean="0"/>
+              <a:rPr lang="ru-RU" dirty="0" smtClean="0">
+                <a:latin typeface="Times New Roman" pitchFamily="18" charset="0"/>
+                <a:cs typeface="Times New Roman" pitchFamily="18" charset="0"/>
+              </a:rPr>
               <a:t>Написание программного кода</a:t>
             </a:r>
-            <a:endParaRPr lang="ru-RU" dirty="0"/>
+            <a:endParaRPr lang="ru-RU" dirty="0">
+              <a:latin typeface="Times New Roman" pitchFamily="18" charset="0"/>
+              <a:cs typeface="Times New Roman" pitchFamily="18" charset="0"/>
+            </a:endParaRPr>
           </a:p>
         </p:txBody>
       </p:sp>
@@ -4970,7 +4983,10 @@
           <a:lstStyle/>
           <a:p>
             <a:r>
-              <a:rPr lang="ru-RU" dirty="0" smtClean="0"/>
+              <a:rPr lang="ru-RU" dirty="0" smtClean="0">
+                <a:latin typeface="Times New Roman" pitchFamily="18" charset="0"/>
+                <a:cs typeface="Times New Roman" pitchFamily="18" charset="0"/>
+              </a:rPr>
               <a:t>Объект исследования: </a:t>
             </a:r>
           </a:p>
@@ -4980,13 +4996,19 @@
               <a:buChar char="q"/>
             </a:pPr>
             <a:r>
-              <a:rPr lang="ru-RU" dirty="0" smtClean="0"/>
+              <a:rPr lang="ru-RU" dirty="0" smtClean="0">
+                <a:latin typeface="Times New Roman" pitchFamily="18" charset="0"/>
+                <a:cs typeface="Times New Roman" pitchFamily="18" charset="0"/>
+              </a:rPr>
               <a:t>разработка приложений для мобильных устройств</a:t>
             </a:r>
           </a:p>
           <a:p>
             <a:r>
-              <a:rPr lang="ru-RU" dirty="0" smtClean="0"/>
+              <a:rPr lang="ru-RU" dirty="0" smtClean="0">
+                <a:latin typeface="Times New Roman" pitchFamily="18" charset="0"/>
+                <a:cs typeface="Times New Roman" pitchFamily="18" charset="0"/>
+              </a:rPr>
               <a:t>Предмет исследования: </a:t>
             </a:r>
           </a:p>
@@ -4996,15 +5018,24 @@
               <a:buChar char="q"/>
             </a:pPr>
             <a:r>
-              <a:rPr lang="ru-RU" dirty="0" smtClean="0"/>
+              <a:rPr lang="ru-RU" dirty="0" smtClean="0">
+                <a:latin typeface="Times New Roman" pitchFamily="18" charset="0"/>
+                <a:cs typeface="Times New Roman" pitchFamily="18" charset="0"/>
+              </a:rPr>
               <a:t>проектирование и разработка</a:t>
             </a:r>
             <a:r>
-              <a:rPr lang="en-US" dirty="0" smtClean="0"/>
+              <a:rPr lang="en-US" dirty="0" smtClean="0">
+                <a:latin typeface="Times New Roman" pitchFamily="18" charset="0"/>
+                <a:cs typeface="Times New Roman" pitchFamily="18" charset="0"/>
+              </a:rPr>
               <a:t> </a:t>
             </a:r>
             <a:r>
-              <a:rPr lang="ru-RU" dirty="0" smtClean="0"/>
+              <a:rPr lang="ru-RU" dirty="0" smtClean="0">
+                <a:latin typeface="Times New Roman" pitchFamily="18" charset="0"/>
+                <a:cs typeface="Times New Roman" pitchFamily="18" charset="0"/>
+              </a:rPr>
               <a:t>конкурентоспособного мобильного приложения для ведения истории развития ребенка.</a:t>
             </a:r>
           </a:p>

--- a/Разработка приложения «Карта развития ребенка» под.pptx
+++ b/Разработка приложения «Карта развития ребенка» под.pptx
@@ -11,13 +11,18 @@
     <p:sldId id="264" r:id="rId5"/>
     <p:sldId id="265" r:id="rId6"/>
     <p:sldId id="266" r:id="rId7"/>
-    <p:sldId id="271" r:id="rId8"/>
-    <p:sldId id="267" r:id="rId9"/>
-    <p:sldId id="259" r:id="rId10"/>
-    <p:sldId id="270" r:id="rId11"/>
-    <p:sldId id="269" r:id="rId12"/>
-    <p:sldId id="261" r:id="rId13"/>
-    <p:sldId id="262" r:id="rId14"/>
+    <p:sldId id="267" r:id="rId8"/>
+    <p:sldId id="259" r:id="rId9"/>
+    <p:sldId id="270" r:id="rId10"/>
+    <p:sldId id="272" r:id="rId11"/>
+    <p:sldId id="274" r:id="rId12"/>
+    <p:sldId id="273" r:id="rId13"/>
+    <p:sldId id="275" r:id="rId14"/>
+    <p:sldId id="276" r:id="rId15"/>
+    <p:sldId id="269" r:id="rId16"/>
+    <p:sldId id="271" r:id="rId17"/>
+    <p:sldId id="261" r:id="rId18"/>
+    <p:sldId id="262" r:id="rId19"/>
   </p:sldIdLst>
   <p:sldSz cx="9144000" cy="6858000" type="screen4x3"/>
   <p:notesSz cx="6858000" cy="9144000"/>
@@ -183,24 +188,24 @@
             </c:numRef>
           </c:val>
         </c:ser>
-        <c:axId val="84050688"/>
-        <c:axId val="84052224"/>
+        <c:axId val="71118208"/>
+        <c:axId val="38245504"/>
       </c:barChart>
       <c:catAx>
-        <c:axId val="84050688"/>
+        <c:axId val="71118208"/>
         <c:scaling>
           <c:orientation val="minMax"/>
         </c:scaling>
         <c:axPos val="b"/>
         <c:tickLblPos val="nextTo"/>
-        <c:crossAx val="84052224"/>
+        <c:crossAx val="38245504"/>
         <c:crosses val="autoZero"/>
         <c:auto val="1"/>
         <c:lblAlgn val="ctr"/>
         <c:lblOffset val="100"/>
       </c:catAx>
       <c:valAx>
-        <c:axId val="84052224"/>
+        <c:axId val="38245504"/>
         <c:scaling>
           <c:orientation val="minMax"/>
         </c:scaling>
@@ -208,7 +213,7 @@
         <c:majorGridlines/>
         <c:numFmt formatCode="#,##0.00&quot;р.&quot;" sourceLinked="1"/>
         <c:tickLblPos val="nextTo"/>
-        <c:crossAx val="84050688"/>
+        <c:crossAx val="71118208"/>
         <c:crosses val="autoZero"/>
         <c:crossBetween val="between"/>
       </c:valAx>
@@ -286,24 +291,24 @@
             </c:numRef>
           </c:val>
         </c:ser>
-        <c:axId val="84084992"/>
-        <c:axId val="84103168"/>
+        <c:axId val="38270080"/>
+        <c:axId val="38271616"/>
       </c:barChart>
       <c:catAx>
-        <c:axId val="84084992"/>
+        <c:axId val="38270080"/>
         <c:scaling>
           <c:orientation val="minMax"/>
         </c:scaling>
         <c:axPos val="b"/>
         <c:tickLblPos val="nextTo"/>
-        <c:crossAx val="84103168"/>
+        <c:crossAx val="38271616"/>
         <c:crosses val="autoZero"/>
         <c:auto val="1"/>
         <c:lblAlgn val="ctr"/>
         <c:lblOffset val="100"/>
       </c:catAx>
       <c:valAx>
-        <c:axId val="84103168"/>
+        <c:axId val="38271616"/>
         <c:scaling>
           <c:orientation val="minMax"/>
         </c:scaling>
@@ -311,7 +316,7 @@
         <c:majorGridlines/>
         <c:numFmt formatCode="General" sourceLinked="1"/>
         <c:tickLblPos val="nextTo"/>
-        <c:crossAx val="84084992"/>
+        <c:crossAx val="38270080"/>
         <c:crosses val="autoZero"/>
         <c:crossBetween val="between"/>
       </c:valAx>
@@ -470,7 +475,7 @@
             <a:fld id="{DC64BE75-963E-437A-A34F-B34FEDFB7E90}" type="datetimeFigureOut">
               <a:rPr lang="ru-RU" smtClean="0"/>
               <a:pPr/>
-              <a:t>13.06.2013</a:t>
+              <a:t>14.06.2013</a:t>
             </a:fld>
             <a:endParaRPr lang="ru-RU"/>
           </a:p>
@@ -831,7 +836,7 @@
             <a:fld id="{DC64BE75-963E-437A-A34F-B34FEDFB7E90}" type="datetimeFigureOut">
               <a:rPr lang="ru-RU" smtClean="0"/>
               <a:pPr/>
-              <a:t>13.06.2013</a:t>
+              <a:t>14.06.2013</a:t>
             </a:fld>
             <a:endParaRPr lang="ru-RU"/>
           </a:p>
@@ -1008,7 +1013,7 @@
             <a:fld id="{DC64BE75-963E-437A-A34F-B34FEDFB7E90}" type="datetimeFigureOut">
               <a:rPr lang="ru-RU" smtClean="0"/>
               <a:pPr/>
-              <a:t>13.06.2013</a:t>
+              <a:t>14.06.2013</a:t>
             </a:fld>
             <a:endParaRPr lang="ru-RU"/>
           </a:p>
@@ -1245,7 +1250,7 @@
             <a:fld id="{DC64BE75-963E-437A-A34F-B34FEDFB7E90}" type="datetimeFigureOut">
               <a:rPr lang="ru-RU" smtClean="0"/>
               <a:pPr/>
-              <a:t>13.06.2013</a:t>
+              <a:t>14.06.2013</a:t>
             </a:fld>
             <a:endParaRPr lang="ru-RU"/>
           </a:p>
@@ -1516,7 +1521,7 @@
             <a:fld id="{DC64BE75-963E-437A-A34F-B34FEDFB7E90}" type="datetimeFigureOut">
               <a:rPr lang="ru-RU" smtClean="0"/>
               <a:pPr/>
-              <a:t>13.06.2013</a:t>
+              <a:t>14.06.2013</a:t>
             </a:fld>
             <a:endParaRPr lang="ru-RU"/>
           </a:p>
@@ -1738,7 +1743,7 @@
             <a:fld id="{DC64BE75-963E-437A-A34F-B34FEDFB7E90}" type="datetimeFigureOut">
               <a:rPr lang="ru-RU" smtClean="0"/>
               <a:pPr/>
-              <a:t>13.06.2013</a:t>
+              <a:t>14.06.2013</a:t>
             </a:fld>
             <a:endParaRPr lang="ru-RU"/>
           </a:p>
@@ -2092,7 +2097,7 @@
             <a:fld id="{DC64BE75-963E-437A-A34F-B34FEDFB7E90}" type="datetimeFigureOut">
               <a:rPr lang="ru-RU" smtClean="0"/>
               <a:pPr/>
-              <a:t>13.06.2013</a:t>
+              <a:t>14.06.2013</a:t>
             </a:fld>
             <a:endParaRPr lang="ru-RU"/>
           </a:p>
@@ -2326,7 +2331,7 @@
             <a:fld id="{DC64BE75-963E-437A-A34F-B34FEDFB7E90}" type="datetimeFigureOut">
               <a:rPr lang="ru-RU" smtClean="0"/>
               <a:pPr/>
-              <a:t>13.06.2013</a:t>
+              <a:t>14.06.2013</a:t>
             </a:fld>
             <a:endParaRPr lang="ru-RU"/>
           </a:p>
@@ -2468,7 +2473,7 @@
             <a:fld id="{DC64BE75-963E-437A-A34F-B34FEDFB7E90}" type="datetimeFigureOut">
               <a:rPr lang="ru-RU" smtClean="0"/>
               <a:pPr/>
-              <a:t>13.06.2013</a:t>
+              <a:t>14.06.2013</a:t>
             </a:fld>
             <a:endParaRPr lang="ru-RU"/>
           </a:p>
@@ -2747,7 +2752,7 @@
             <a:fld id="{DC64BE75-963E-437A-A34F-B34FEDFB7E90}" type="datetimeFigureOut">
               <a:rPr lang="ru-RU" smtClean="0"/>
               <a:pPr/>
-              <a:t>13.06.2013</a:t>
+              <a:t>14.06.2013</a:t>
             </a:fld>
             <a:endParaRPr lang="ru-RU"/>
           </a:p>
@@ -3156,7 +3161,7 @@
             <a:fld id="{DC64BE75-963E-437A-A34F-B34FEDFB7E90}" type="datetimeFigureOut">
               <a:rPr lang="ru-RU" smtClean="0"/>
               <a:pPr/>
-              <a:t>13.06.2013</a:t>
+              <a:t>14.06.2013</a:t>
             </a:fld>
             <a:endParaRPr lang="ru-RU"/>
           </a:p>
@@ -3496,7 +3501,7 @@
             <a:fld id="{DC64BE75-963E-437A-A34F-B34FEDFB7E90}" type="datetimeFigureOut">
               <a:rPr lang="ru-RU" smtClean="0"/>
               <a:pPr/>
-              <a:t>13.06.2013</a:t>
+              <a:t>14.06.2013</a:t>
             </a:fld>
             <a:endParaRPr lang="ru-RU"/>
           </a:p>
@@ -4433,39 +4438,53 @@
             <a:pPr algn="ctr"/>
             <a:r>
               <a:rPr lang="ru-RU" dirty="0" smtClean="0"/>
-              <a:t>Что сделано</a:t>
+              <a:t>Форма регистрации</a:t>
             </a:r>
             <a:endParaRPr lang="ru-RU" dirty="0"/>
           </a:p>
         </p:txBody>
       </p:sp>
-      <p:sp>
-        <p:nvSpPr>
-          <p:cNvPr id="3" name="Содержимое 2"/>
-          <p:cNvSpPr>
-            <a:spLocks noGrp="1"/>
-          </p:cNvSpPr>
+      <p:pic>
+        <p:nvPicPr>
+          <p:cNvPr id="2050" name="Picture 2" descr="K:\Diplom\скрины\registr.png"/>
+          <p:cNvPicPr>
+            <a:picLocks noGrp="1" noChangeAspect="1" noChangeArrowheads="1"/>
+          </p:cNvPicPr>
           <p:nvPr>
             <p:ph sz="quarter" idx="1"/>
           </p:nvPr>
-        </p:nvSpPr>
-        <p:spPr/>
-        <p:txBody>
-          <a:bodyPr/>
-          <a:lstStyle/>
-          <a:p>
-            <a:r>
-              <a:rPr lang="ru-RU" dirty="0" err="1" smtClean="0"/>
-              <a:t>Скриншоты</a:t>
-            </a:r>
-            <a:r>
-              <a:rPr lang="ru-RU" dirty="0" smtClean="0"/>
-              <a:t> + описание</a:t>
-            </a:r>
-            <a:endParaRPr lang="ru-RU" dirty="0"/>
-          </a:p>
-        </p:txBody>
-      </p:sp>
+        </p:nvPicPr>
+        <p:blipFill>
+          <a:blip r:embed="rId2" cstate="print"/>
+          <a:srcRect/>
+          <a:stretch>
+            <a:fillRect/>
+          </a:stretch>
+        </p:blipFill>
+        <p:spPr bwMode="auto">
+          <a:xfrm>
+            <a:off x="3090862" y="1219200"/>
+            <a:ext cx="2962275" cy="4937125"/>
+          </a:xfrm>
+          <a:prstGeom prst="rect">
+            <a:avLst/>
+          </a:prstGeom>
+          <a:ln w="38100" cap="sq">
+            <a:solidFill>
+              <a:srgbClr val="000000"/>
+            </a:solidFill>
+            <a:prstDash val="solid"/>
+            <a:miter lim="800000"/>
+          </a:ln>
+          <a:effectLst>
+            <a:outerShdw blurRad="50800" dist="38100" dir="2700000" algn="tl" rotWithShape="0">
+              <a:srgbClr val="000000">
+                <a:alpha val="43000"/>
+              </a:srgbClr>
+            </a:outerShdw>
+          </a:effectLst>
+        </p:spPr>
+      </p:pic>
     </p:spTree>
   </p:cSld>
   <p:clrMapOvr>
@@ -4509,133 +4528,53 @@
             <a:pPr algn="ctr"/>
             <a:r>
               <a:rPr lang="ru-RU" dirty="0" smtClean="0"/>
-              <a:t>Выводы</a:t>
+              <a:t>Форма редактирования профиля ребенка</a:t>
             </a:r>
             <a:endParaRPr lang="ru-RU" dirty="0"/>
           </a:p>
         </p:txBody>
       </p:sp>
-      <p:sp>
-        <p:nvSpPr>
-          <p:cNvPr id="3" name="Содержимое 2"/>
-          <p:cNvSpPr>
-            <a:spLocks noGrp="1"/>
-          </p:cNvSpPr>
+      <p:pic>
+        <p:nvPicPr>
+          <p:cNvPr id="4098" name="Picture 2" descr="K:\Diplom\скрины\chProf.png"/>
+          <p:cNvPicPr>
+            <a:picLocks noGrp="1" noChangeAspect="1" noChangeArrowheads="1"/>
+          </p:cNvPicPr>
           <p:nvPr>
             <p:ph sz="quarter" idx="1"/>
           </p:nvPr>
-        </p:nvSpPr>
-        <p:spPr/>
-        <p:txBody>
-          <a:bodyPr/>
-          <a:lstStyle/>
-          <a:p>
-            <a:pPr>
-              <a:buNone/>
-            </a:pPr>
-            <a:r>
-              <a:rPr lang="ru-RU" dirty="0" smtClean="0">
-                <a:latin typeface="Times New Roman" pitchFamily="18" charset="0"/>
-                <a:cs typeface="Times New Roman" pitchFamily="18" charset="0"/>
-              </a:rPr>
-              <a:t>Достоинства:</a:t>
-            </a:r>
-          </a:p>
-          <a:p>
-            <a:pPr lvl="1">
-              <a:buFont typeface="Wingdings" pitchFamily="2" charset="2"/>
-              <a:buChar char="q"/>
-            </a:pPr>
-            <a:r>
-              <a:rPr lang="ru-RU" dirty="0" smtClean="0">
-                <a:latin typeface="Times New Roman" pitchFamily="18" charset="0"/>
-                <a:cs typeface="Times New Roman" pitchFamily="18" charset="0"/>
-              </a:rPr>
-              <a:t>Русскоязычный интерфейс</a:t>
-            </a:r>
-          </a:p>
-          <a:p>
-            <a:pPr lvl="1">
-              <a:buFont typeface="Wingdings" pitchFamily="2" charset="2"/>
-              <a:buChar char="q"/>
-            </a:pPr>
-            <a:r>
-              <a:rPr lang="ru-RU" dirty="0" smtClean="0">
-                <a:latin typeface="Times New Roman" pitchFamily="18" charset="0"/>
-                <a:cs typeface="Times New Roman" pitchFamily="18" charset="0"/>
-              </a:rPr>
-              <a:t>Простота использования</a:t>
-            </a:r>
-          </a:p>
-          <a:p>
-            <a:pPr>
-              <a:buNone/>
-            </a:pPr>
-            <a:r>
-              <a:rPr lang="ru-RU" dirty="0" smtClean="0">
-                <a:latin typeface="Times New Roman" pitchFamily="18" charset="0"/>
-                <a:cs typeface="Times New Roman" pitchFamily="18" charset="0"/>
-              </a:rPr>
-              <a:t>Недостатки:</a:t>
-            </a:r>
-          </a:p>
-          <a:p>
-            <a:pPr lvl="1">
-              <a:buFont typeface="Wingdings" pitchFamily="2" charset="2"/>
-              <a:buChar char="q"/>
-            </a:pPr>
-            <a:r>
-              <a:rPr lang="ru-RU" dirty="0" smtClean="0">
-                <a:latin typeface="Times New Roman" pitchFamily="18" charset="0"/>
-                <a:cs typeface="Times New Roman" pitchFamily="18" charset="0"/>
-              </a:rPr>
-              <a:t>Возможен большой объем занимаемой памяти</a:t>
-            </a:r>
-            <a:endParaRPr lang="ru-RU" dirty="0" smtClean="0">
-              <a:latin typeface="Times New Roman" pitchFamily="18" charset="0"/>
-              <a:cs typeface="Times New Roman" pitchFamily="18" charset="0"/>
-            </a:endParaRPr>
-          </a:p>
-          <a:p>
-            <a:pPr>
-              <a:buNone/>
-            </a:pPr>
-            <a:r>
-              <a:rPr lang="ru-RU" dirty="0" smtClean="0">
-                <a:latin typeface="Times New Roman" pitchFamily="18" charset="0"/>
-                <a:cs typeface="Times New Roman" pitchFamily="18" charset="0"/>
-              </a:rPr>
-              <a:t>Перспективы:</a:t>
-            </a:r>
-          </a:p>
-          <a:p>
-            <a:pPr lvl="1">
-              <a:buFont typeface="Wingdings" pitchFamily="2" charset="2"/>
-              <a:buChar char="q"/>
-            </a:pPr>
-            <a:r>
-              <a:rPr lang="ru-RU" dirty="0" smtClean="0">
-                <a:latin typeface="Times New Roman" pitchFamily="18" charset="0"/>
-                <a:cs typeface="Times New Roman" pitchFamily="18" charset="0"/>
-              </a:rPr>
-              <a:t>Кроссплатформенность</a:t>
-            </a:r>
-          </a:p>
-          <a:p>
-            <a:pPr lvl="1">
-              <a:buFont typeface="Wingdings" pitchFamily="2" charset="2"/>
-              <a:buChar char="q"/>
-            </a:pPr>
-            <a:r>
-              <a:rPr lang="ru-RU" dirty="0" smtClean="0">
-                <a:latin typeface="Times New Roman" pitchFamily="18" charset="0"/>
-                <a:cs typeface="Times New Roman" pitchFamily="18" charset="0"/>
-              </a:rPr>
-              <a:t>Кастомизация пользовательского интерфейса</a:t>
-            </a:r>
-          </a:p>
-        </p:txBody>
-      </p:sp>
+        </p:nvPicPr>
+        <p:blipFill>
+          <a:blip r:embed="rId2" cstate="print"/>
+          <a:srcRect/>
+          <a:stretch>
+            <a:fillRect/>
+          </a:stretch>
+        </p:blipFill>
+        <p:spPr bwMode="auto">
+          <a:xfrm>
+            <a:off x="3090862" y="1219200"/>
+            <a:ext cx="2962275" cy="4937125"/>
+          </a:xfrm>
+          <a:prstGeom prst="rect">
+            <a:avLst/>
+          </a:prstGeom>
+          <a:ln w="38100" cap="sq">
+            <a:solidFill>
+              <a:srgbClr val="000000"/>
+            </a:solidFill>
+            <a:prstDash val="solid"/>
+            <a:miter lim="800000"/>
+          </a:ln>
+          <a:effectLst>
+            <a:outerShdw blurRad="50800" dist="38100" dir="2700000" algn="tl" rotWithShape="0">
+              <a:srgbClr val="000000">
+                <a:alpha val="43000"/>
+              </a:srgbClr>
+            </a:outerShdw>
+          </a:effectLst>
+        </p:spPr>
+      </p:pic>
     </p:spTree>
   </p:cSld>
   <p:clrMapOvr>
@@ -4676,6 +4615,518 @@
           <a:bodyPr/>
           <a:lstStyle/>
           <a:p>
+            <a:pPr algn="ctr"/>
+            <a:r>
+              <a:rPr lang="ru-RU" dirty="0" smtClean="0"/>
+              <a:t>Форма выбора профиля ребенка</a:t>
+            </a:r>
+            <a:endParaRPr lang="ru-RU" dirty="0"/>
+          </a:p>
+        </p:txBody>
+      </p:sp>
+      <p:pic>
+        <p:nvPicPr>
+          <p:cNvPr id="3074" name="Picture 2" descr="K:\Diplom\скрины\changeProfile.png"/>
+          <p:cNvPicPr>
+            <a:picLocks noGrp="1" noChangeAspect="1" noChangeArrowheads="1"/>
+          </p:cNvPicPr>
+          <p:nvPr>
+            <p:ph sz="quarter" idx="1"/>
+          </p:nvPr>
+        </p:nvPicPr>
+        <p:blipFill>
+          <a:blip r:embed="rId2" cstate="print"/>
+          <a:srcRect/>
+          <a:stretch>
+            <a:fillRect/>
+          </a:stretch>
+        </p:blipFill>
+        <p:spPr bwMode="auto">
+          <a:xfrm>
+            <a:off x="3090862" y="1219200"/>
+            <a:ext cx="2962275" cy="4937125"/>
+          </a:xfrm>
+          <a:prstGeom prst="rect">
+            <a:avLst/>
+          </a:prstGeom>
+          <a:ln w="38100" cap="sq">
+            <a:solidFill>
+              <a:srgbClr val="000000"/>
+            </a:solidFill>
+            <a:prstDash val="solid"/>
+            <a:miter lim="800000"/>
+          </a:ln>
+          <a:effectLst>
+            <a:outerShdw blurRad="50800" dist="38100" dir="2700000" algn="tl" rotWithShape="0">
+              <a:srgbClr val="000000">
+                <a:alpha val="43000"/>
+              </a:srgbClr>
+            </a:outerShdw>
+          </a:effectLst>
+        </p:spPr>
+      </p:pic>
+    </p:spTree>
+  </p:cSld>
+  <p:clrMapOvr>
+    <a:masterClrMapping/>
+  </p:clrMapOvr>
+</p:sld>
+</file>
+
+<file path=ppt/slides/slide13.xml><?xml version="1.0" encoding="utf-8"?>
+<p:sld xmlns:a="http://schemas.openxmlformats.org/drawingml/2006/main" xmlns:r="http://schemas.openxmlformats.org/officeDocument/2006/relationships" xmlns:p="http://schemas.openxmlformats.org/presentationml/2006/main">
+  <p:cSld>
+    <p:spTree>
+      <p:nvGrpSpPr>
+        <p:cNvPr id="1" name=""/>
+        <p:cNvGrpSpPr/>
+        <p:nvPr/>
+      </p:nvGrpSpPr>
+      <p:grpSpPr>
+        <a:xfrm>
+          <a:off x="0" y="0"/>
+          <a:ext cx="0" cy="0"/>
+          <a:chOff x="0" y="0"/>
+          <a:chExt cx="0" cy="0"/>
+        </a:xfrm>
+      </p:grpSpPr>
+      <p:sp>
+        <p:nvSpPr>
+          <p:cNvPr id="2" name="Заголовок 1"/>
+          <p:cNvSpPr>
+            <a:spLocks noGrp="1"/>
+          </p:cNvSpPr>
+          <p:nvPr>
+            <p:ph type="title"/>
+          </p:nvPr>
+        </p:nvSpPr>
+        <p:spPr/>
+        <p:txBody>
+          <a:bodyPr/>
+          <a:lstStyle/>
+          <a:p>
+            <a:pPr algn="ctr"/>
+            <a:r>
+              <a:rPr lang="ru-RU" dirty="0" smtClean="0"/>
+              <a:t>Форма выбора заметок</a:t>
+            </a:r>
+            <a:endParaRPr lang="ru-RU" dirty="0"/>
+          </a:p>
+        </p:txBody>
+      </p:sp>
+      <p:pic>
+        <p:nvPicPr>
+          <p:cNvPr id="5122" name="Picture 2" descr="K:\Diplom\скрины\notes.png"/>
+          <p:cNvPicPr>
+            <a:picLocks noGrp="1" noChangeAspect="1" noChangeArrowheads="1"/>
+          </p:cNvPicPr>
+          <p:nvPr>
+            <p:ph sz="quarter" idx="1"/>
+          </p:nvPr>
+        </p:nvPicPr>
+        <p:blipFill>
+          <a:blip r:embed="rId2" cstate="print"/>
+          <a:srcRect/>
+          <a:stretch>
+            <a:fillRect/>
+          </a:stretch>
+        </p:blipFill>
+        <p:spPr bwMode="auto">
+          <a:xfrm>
+            <a:off x="3090862" y="1219200"/>
+            <a:ext cx="2962275" cy="4937125"/>
+          </a:xfrm>
+          <a:prstGeom prst="rect">
+            <a:avLst/>
+          </a:prstGeom>
+          <a:ln w="38100" cap="sq">
+            <a:solidFill>
+              <a:srgbClr val="000000"/>
+            </a:solidFill>
+            <a:prstDash val="solid"/>
+            <a:miter lim="800000"/>
+          </a:ln>
+          <a:effectLst>
+            <a:outerShdw blurRad="50800" dist="38100" dir="2700000" algn="tl" rotWithShape="0">
+              <a:srgbClr val="000000">
+                <a:alpha val="43000"/>
+              </a:srgbClr>
+            </a:outerShdw>
+          </a:effectLst>
+        </p:spPr>
+      </p:pic>
+    </p:spTree>
+  </p:cSld>
+  <p:clrMapOvr>
+    <a:masterClrMapping/>
+  </p:clrMapOvr>
+</p:sld>
+</file>
+
+<file path=ppt/slides/slide14.xml><?xml version="1.0" encoding="utf-8"?>
+<p:sld xmlns:a="http://schemas.openxmlformats.org/drawingml/2006/main" xmlns:r="http://schemas.openxmlformats.org/officeDocument/2006/relationships" xmlns:p="http://schemas.openxmlformats.org/presentationml/2006/main">
+  <p:cSld>
+    <p:spTree>
+      <p:nvGrpSpPr>
+        <p:cNvPr id="1" name=""/>
+        <p:cNvGrpSpPr/>
+        <p:nvPr/>
+      </p:nvGrpSpPr>
+      <p:grpSpPr>
+        <a:xfrm>
+          <a:off x="0" y="0"/>
+          <a:ext cx="0" cy="0"/>
+          <a:chOff x="0" y="0"/>
+          <a:chExt cx="0" cy="0"/>
+        </a:xfrm>
+      </p:grpSpPr>
+      <p:sp>
+        <p:nvSpPr>
+          <p:cNvPr id="2" name="Заголовок 1"/>
+          <p:cNvSpPr>
+            <a:spLocks noGrp="1"/>
+          </p:cNvSpPr>
+          <p:nvPr>
+            <p:ph type="title"/>
+          </p:nvPr>
+        </p:nvSpPr>
+        <p:spPr/>
+        <p:txBody>
+          <a:bodyPr/>
+          <a:lstStyle/>
+          <a:p>
+            <a:pPr algn="ctr"/>
+            <a:r>
+              <a:rPr lang="ru-RU" dirty="0" smtClean="0"/>
+              <a:t>Форма редактирования заметок</a:t>
+            </a:r>
+            <a:endParaRPr lang="ru-RU" dirty="0"/>
+          </a:p>
+        </p:txBody>
+      </p:sp>
+      <p:pic>
+        <p:nvPicPr>
+          <p:cNvPr id="6146" name="Picture 2" descr="K:\Diplom\скрины\note.png"/>
+          <p:cNvPicPr>
+            <a:picLocks noGrp="1" noChangeAspect="1" noChangeArrowheads="1"/>
+          </p:cNvPicPr>
+          <p:nvPr>
+            <p:ph sz="quarter" idx="1"/>
+          </p:nvPr>
+        </p:nvPicPr>
+        <p:blipFill>
+          <a:blip r:embed="rId2" cstate="print"/>
+          <a:srcRect/>
+          <a:stretch>
+            <a:fillRect/>
+          </a:stretch>
+        </p:blipFill>
+        <p:spPr bwMode="auto">
+          <a:xfrm>
+            <a:off x="3090862" y="1219200"/>
+            <a:ext cx="2962275" cy="4937125"/>
+          </a:xfrm>
+          <a:prstGeom prst="rect">
+            <a:avLst/>
+          </a:prstGeom>
+          <a:ln w="38100" cap="sq">
+            <a:solidFill>
+              <a:srgbClr val="000000"/>
+            </a:solidFill>
+            <a:prstDash val="solid"/>
+            <a:miter lim="800000"/>
+          </a:ln>
+          <a:effectLst>
+            <a:outerShdw blurRad="50800" dist="38100" dir="2700000" algn="tl" rotWithShape="0">
+              <a:srgbClr val="000000">
+                <a:alpha val="43000"/>
+              </a:srgbClr>
+            </a:outerShdw>
+          </a:effectLst>
+        </p:spPr>
+      </p:pic>
+    </p:spTree>
+  </p:cSld>
+  <p:clrMapOvr>
+    <a:masterClrMapping/>
+  </p:clrMapOvr>
+</p:sld>
+</file>
+
+<file path=ppt/slides/slide15.xml><?xml version="1.0" encoding="utf-8"?>
+<p:sld xmlns:a="http://schemas.openxmlformats.org/drawingml/2006/main" xmlns:r="http://schemas.openxmlformats.org/officeDocument/2006/relationships" xmlns:p="http://schemas.openxmlformats.org/presentationml/2006/main">
+  <p:cSld>
+    <p:spTree>
+      <p:nvGrpSpPr>
+        <p:cNvPr id="1" name=""/>
+        <p:cNvGrpSpPr/>
+        <p:nvPr/>
+      </p:nvGrpSpPr>
+      <p:grpSpPr>
+        <a:xfrm>
+          <a:off x="0" y="0"/>
+          <a:ext cx="0" cy="0"/>
+          <a:chOff x="0" y="0"/>
+          <a:chExt cx="0" cy="0"/>
+        </a:xfrm>
+      </p:grpSpPr>
+      <p:sp>
+        <p:nvSpPr>
+          <p:cNvPr id="2" name="Заголовок 1"/>
+          <p:cNvSpPr>
+            <a:spLocks noGrp="1"/>
+          </p:cNvSpPr>
+          <p:nvPr>
+            <p:ph type="title"/>
+          </p:nvPr>
+        </p:nvSpPr>
+        <p:spPr/>
+        <p:txBody>
+          <a:bodyPr/>
+          <a:lstStyle/>
+          <a:p>
+            <a:pPr algn="ctr"/>
+            <a:r>
+              <a:rPr lang="ru-RU" dirty="0" smtClean="0"/>
+              <a:t>Выводы</a:t>
+            </a:r>
+            <a:endParaRPr lang="ru-RU" dirty="0"/>
+          </a:p>
+        </p:txBody>
+      </p:sp>
+      <p:sp>
+        <p:nvSpPr>
+          <p:cNvPr id="3" name="Содержимое 2"/>
+          <p:cNvSpPr>
+            <a:spLocks noGrp="1"/>
+          </p:cNvSpPr>
+          <p:nvPr>
+            <p:ph sz="quarter" idx="1"/>
+          </p:nvPr>
+        </p:nvSpPr>
+        <p:spPr/>
+        <p:txBody>
+          <a:bodyPr/>
+          <a:lstStyle/>
+          <a:p>
+            <a:pPr>
+              <a:buNone/>
+            </a:pPr>
+            <a:r>
+              <a:rPr lang="ru-RU" dirty="0" smtClean="0">
+                <a:latin typeface="Times New Roman" pitchFamily="18" charset="0"/>
+                <a:cs typeface="Times New Roman" pitchFamily="18" charset="0"/>
+              </a:rPr>
+              <a:t>Достоинства:</a:t>
+            </a:r>
+          </a:p>
+          <a:p>
+            <a:pPr lvl="1">
+              <a:buFont typeface="Wingdings" pitchFamily="2" charset="2"/>
+              <a:buChar char="q"/>
+            </a:pPr>
+            <a:r>
+              <a:rPr lang="ru-RU" dirty="0" smtClean="0">
+                <a:latin typeface="Times New Roman" pitchFamily="18" charset="0"/>
+                <a:cs typeface="Times New Roman" pitchFamily="18" charset="0"/>
+              </a:rPr>
+              <a:t>Русскоязычный интерфейс</a:t>
+            </a:r>
+          </a:p>
+          <a:p>
+            <a:pPr lvl="1">
+              <a:buFont typeface="Wingdings" pitchFamily="2" charset="2"/>
+              <a:buChar char="q"/>
+            </a:pPr>
+            <a:r>
+              <a:rPr lang="ru-RU" dirty="0" smtClean="0">
+                <a:latin typeface="Times New Roman" pitchFamily="18" charset="0"/>
+                <a:cs typeface="Times New Roman" pitchFamily="18" charset="0"/>
+              </a:rPr>
+              <a:t>Простота использования</a:t>
+            </a:r>
+          </a:p>
+          <a:p>
+            <a:pPr>
+              <a:buNone/>
+            </a:pPr>
+            <a:r>
+              <a:rPr lang="ru-RU" dirty="0" smtClean="0">
+                <a:latin typeface="Times New Roman" pitchFamily="18" charset="0"/>
+                <a:cs typeface="Times New Roman" pitchFamily="18" charset="0"/>
+              </a:rPr>
+              <a:t>Недостатки:</a:t>
+            </a:r>
+          </a:p>
+          <a:p>
+            <a:pPr lvl="1">
+              <a:buFont typeface="Wingdings" pitchFamily="2" charset="2"/>
+              <a:buChar char="q"/>
+            </a:pPr>
+            <a:r>
+              <a:rPr lang="ru-RU" dirty="0" smtClean="0">
+                <a:latin typeface="Times New Roman" pitchFamily="18" charset="0"/>
+                <a:cs typeface="Times New Roman" pitchFamily="18" charset="0"/>
+              </a:rPr>
+              <a:t>Возможен большой объем занимаемой памяти</a:t>
+            </a:r>
+          </a:p>
+          <a:p>
+            <a:pPr>
+              <a:buNone/>
+            </a:pPr>
+            <a:r>
+              <a:rPr lang="ru-RU" dirty="0" smtClean="0">
+                <a:latin typeface="Times New Roman" pitchFamily="18" charset="0"/>
+                <a:cs typeface="Times New Roman" pitchFamily="18" charset="0"/>
+              </a:rPr>
+              <a:t>Перспективы:</a:t>
+            </a:r>
+          </a:p>
+          <a:p>
+            <a:pPr lvl="1">
+              <a:buFont typeface="Wingdings" pitchFamily="2" charset="2"/>
+              <a:buChar char="q"/>
+            </a:pPr>
+            <a:r>
+              <a:rPr lang="ru-RU" dirty="0" smtClean="0">
+                <a:latin typeface="Times New Roman" pitchFamily="18" charset="0"/>
+                <a:cs typeface="Times New Roman" pitchFamily="18" charset="0"/>
+              </a:rPr>
+              <a:t>Кроссплатформенность</a:t>
+            </a:r>
+          </a:p>
+          <a:p>
+            <a:pPr lvl="1">
+              <a:buFont typeface="Wingdings" pitchFamily="2" charset="2"/>
+              <a:buChar char="q"/>
+            </a:pPr>
+            <a:r>
+              <a:rPr lang="ru-RU" dirty="0" smtClean="0">
+                <a:latin typeface="Times New Roman" pitchFamily="18" charset="0"/>
+                <a:cs typeface="Times New Roman" pitchFamily="18" charset="0"/>
+              </a:rPr>
+              <a:t>Кастомизация пользовательского интерфейса</a:t>
+            </a:r>
+          </a:p>
+        </p:txBody>
+      </p:sp>
+    </p:spTree>
+  </p:cSld>
+  <p:clrMapOvr>
+    <a:masterClrMapping/>
+  </p:clrMapOvr>
+</p:sld>
+</file>
+
+<file path=ppt/slides/slide16.xml><?xml version="1.0" encoding="utf-8"?>
+<p:sld xmlns:a="http://schemas.openxmlformats.org/drawingml/2006/main" xmlns:r="http://schemas.openxmlformats.org/officeDocument/2006/relationships" xmlns:p="http://schemas.openxmlformats.org/presentationml/2006/main">
+  <p:cSld>
+    <p:spTree>
+      <p:nvGrpSpPr>
+        <p:cNvPr id="1" name=""/>
+        <p:cNvGrpSpPr/>
+        <p:nvPr/>
+      </p:nvGrpSpPr>
+      <p:grpSpPr>
+        <a:xfrm>
+          <a:off x="0" y="0"/>
+          <a:ext cx="0" cy="0"/>
+          <a:chOff x="0" y="0"/>
+          <a:chExt cx="0" cy="0"/>
+        </a:xfrm>
+      </p:grpSpPr>
+      <p:sp>
+        <p:nvSpPr>
+          <p:cNvPr id="2" name="Заголовок 1"/>
+          <p:cNvSpPr>
+            <a:spLocks noGrp="1"/>
+          </p:cNvSpPr>
+          <p:nvPr>
+            <p:ph type="title"/>
+          </p:nvPr>
+        </p:nvSpPr>
+        <p:spPr/>
+        <p:txBody>
+          <a:bodyPr/>
+          <a:lstStyle/>
+          <a:p>
+            <a:pPr algn="ctr"/>
+            <a:r>
+              <a:rPr lang="en-US" dirty="0" err="1" smtClean="0"/>
+              <a:t>Uml</a:t>
+            </a:r>
+            <a:r>
+              <a:rPr lang="en-US" dirty="0" smtClean="0"/>
+              <a:t> </a:t>
+            </a:r>
+            <a:r>
+              <a:rPr lang="ru-RU" dirty="0" smtClean="0"/>
+              <a:t>диаграмма классов</a:t>
+            </a:r>
+            <a:endParaRPr lang="ru-RU" dirty="0"/>
+          </a:p>
+        </p:txBody>
+      </p:sp>
+      <p:sp>
+        <p:nvSpPr>
+          <p:cNvPr id="3" name="Содержимое 2"/>
+          <p:cNvSpPr>
+            <a:spLocks noGrp="1"/>
+          </p:cNvSpPr>
+          <p:nvPr>
+            <p:ph sz="quarter" idx="1"/>
+          </p:nvPr>
+        </p:nvSpPr>
+        <p:spPr/>
+        <p:txBody>
+          <a:bodyPr/>
+          <a:lstStyle/>
+          <a:p>
+            <a:endParaRPr lang="ru-RU"/>
+          </a:p>
+        </p:txBody>
+      </p:sp>
+    </p:spTree>
+  </p:cSld>
+  <p:clrMapOvr>
+    <a:masterClrMapping/>
+  </p:clrMapOvr>
+</p:sld>
+</file>
+
+<file path=ppt/slides/slide17.xml><?xml version="1.0" encoding="utf-8"?>
+<p:sld xmlns:a="http://schemas.openxmlformats.org/drawingml/2006/main" xmlns:r="http://schemas.openxmlformats.org/officeDocument/2006/relationships" xmlns:p="http://schemas.openxmlformats.org/presentationml/2006/main">
+  <p:cSld>
+    <p:spTree>
+      <p:nvGrpSpPr>
+        <p:cNvPr id="1" name=""/>
+        <p:cNvGrpSpPr/>
+        <p:nvPr/>
+      </p:nvGrpSpPr>
+      <p:grpSpPr>
+        <a:xfrm>
+          <a:off x="0" y="0"/>
+          <a:ext cx="0" cy="0"/>
+          <a:chOff x="0" y="0"/>
+          <a:chExt cx="0" cy="0"/>
+        </a:xfrm>
+      </p:grpSpPr>
+      <p:sp>
+        <p:nvSpPr>
+          <p:cNvPr id="2" name="Заголовок 1"/>
+          <p:cNvSpPr>
+            <a:spLocks noGrp="1"/>
+          </p:cNvSpPr>
+          <p:nvPr>
+            <p:ph type="title"/>
+          </p:nvPr>
+        </p:nvSpPr>
+        <p:spPr/>
+        <p:txBody>
+          <a:bodyPr/>
+          <a:lstStyle/>
+          <a:p>
             <a:r>
               <a:rPr lang="ru-RU" dirty="0" smtClean="0"/>
               <a:t>Конкуренты</a:t>
@@ -4712,7 +5163,7 @@
 </p:sld>
 </file>
 
-<file path=ppt/slides/slide13.xml><?xml version="1.0" encoding="utf-8"?>
+<file path=ppt/slides/slide18.xml><?xml version="1.0" encoding="utf-8"?>
 <p:sld xmlns:a="http://schemas.openxmlformats.org/drawingml/2006/main" xmlns:r="http://schemas.openxmlformats.org/officeDocument/2006/relationships" xmlns:p="http://schemas.openxmlformats.org/presentationml/2006/main">
   <p:cSld>
     <p:spTree>
@@ -5384,18 +5835,9 @@
           <a:bodyPr/>
           <a:lstStyle/>
           <a:p>
-            <a:pPr algn="ctr"/>
-            <a:r>
-              <a:rPr lang="en-US" dirty="0" err="1" smtClean="0"/>
-              <a:t>Uml</a:t>
-            </a:r>
-            <a:r>
-              <a:rPr lang="en-US" dirty="0" smtClean="0"/>
-              <a:t> </a:t>
-            </a:r>
             <a:r>
               <a:rPr lang="ru-RU" dirty="0" smtClean="0"/>
-              <a:t>диаграмма классов</a:t>
+              <a:t>Использованные программные средства</a:t>
             </a:r>
             <a:endParaRPr lang="ru-RU" dirty="0"/>
           </a:p>
@@ -5416,7 +5858,79 @@
           <a:bodyPr/>
           <a:lstStyle/>
           <a:p>
-            <a:endParaRPr lang="ru-RU"/>
+            <a:r>
+              <a:rPr lang="en-US" sz="1800" dirty="0" smtClean="0">
+                <a:latin typeface="Times New Roman" pitchFamily="18" charset="0"/>
+                <a:cs typeface="Times New Roman" pitchFamily="18" charset="0"/>
+              </a:rPr>
+              <a:t>Eclipse Platform</a:t>
+            </a:r>
+            <a:r>
+              <a:rPr lang="ru-RU" sz="1800" dirty="0" smtClean="0">
+                <a:latin typeface="Times New Roman" pitchFamily="18" charset="0"/>
+                <a:cs typeface="Times New Roman" pitchFamily="18" charset="0"/>
+              </a:rPr>
+              <a:t> (</a:t>
+            </a:r>
+            <a:r>
+              <a:rPr lang="en-US" sz="1800" dirty="0" smtClean="0">
+                <a:latin typeface="Times New Roman" pitchFamily="18" charset="0"/>
+                <a:cs typeface="Times New Roman" pitchFamily="18" charset="0"/>
+              </a:rPr>
+              <a:t>Version: 3.8.0</a:t>
+            </a:r>
+            <a:r>
+              <a:rPr lang="ru-RU" sz="1800" dirty="0" smtClean="0">
+                <a:latin typeface="Times New Roman" pitchFamily="18" charset="0"/>
+                <a:cs typeface="Times New Roman" pitchFamily="18" charset="0"/>
+              </a:rPr>
+              <a:t>)</a:t>
+            </a:r>
+          </a:p>
+          <a:p>
+            <a:r>
+              <a:rPr lang="en-US" sz="1800" dirty="0" smtClean="0">
+                <a:latin typeface="Times New Roman" pitchFamily="18" charset="0"/>
+                <a:cs typeface="Times New Roman" pitchFamily="18" charset="0"/>
+              </a:rPr>
+              <a:t>Android Developer Tools</a:t>
+            </a:r>
+            <a:r>
+              <a:rPr lang="ru-RU" sz="1800" dirty="0" smtClean="0">
+                <a:latin typeface="Times New Roman" pitchFamily="18" charset="0"/>
+                <a:cs typeface="Times New Roman" pitchFamily="18" charset="0"/>
+              </a:rPr>
+              <a:t> (</a:t>
+            </a:r>
+            <a:r>
+              <a:rPr lang="en-US" sz="1800" dirty="0" smtClean="0">
+                <a:latin typeface="Times New Roman" pitchFamily="18" charset="0"/>
+                <a:cs typeface="Times New Roman" pitchFamily="18" charset="0"/>
+              </a:rPr>
+              <a:t>Build: v21.0.1-543035</a:t>
+            </a:r>
+            <a:r>
+              <a:rPr lang="ru-RU" sz="1800" dirty="0" smtClean="0">
+                <a:latin typeface="Times New Roman" pitchFamily="18" charset="0"/>
+                <a:cs typeface="Times New Roman" pitchFamily="18" charset="0"/>
+              </a:rPr>
+              <a:t>)</a:t>
+            </a:r>
+          </a:p>
+          <a:p>
+            <a:r>
+              <a:rPr lang="en-US" sz="1800" dirty="0" smtClean="0">
+                <a:latin typeface="Times New Roman" pitchFamily="18" charset="0"/>
+                <a:cs typeface="Times New Roman" pitchFamily="18" charset="0"/>
+              </a:rPr>
+              <a:t>Microsoft Visio 2010</a:t>
+            </a:r>
+          </a:p>
+          <a:p>
+            <a:endParaRPr lang="ru-RU" dirty="0" smtClean="0">
+              <a:latin typeface="Times New Roman" pitchFamily="18" charset="0"/>
+              <a:cs typeface="Times New Roman" pitchFamily="18" charset="0"/>
+            </a:endParaRPr>
           </a:p>
         </p:txBody>
       </p:sp>
@@ -5460,9 +5974,10 @@
           <a:bodyPr/>
           <a:lstStyle/>
           <a:p>
+            <a:pPr algn="ctr"/>
             <a:r>
               <a:rPr lang="ru-RU" dirty="0" smtClean="0"/>
-              <a:t>Использованные программные средства</a:t>
+              <a:t>Функции приложения</a:t>
             </a:r>
             <a:endParaRPr lang="ru-RU" dirty="0"/>
           </a:p>
@@ -5483,29 +5998,65 @@
           <a:bodyPr/>
           <a:lstStyle/>
           <a:p>
-            <a:r>
-              <a:rPr lang="en-US" sz="1800" dirty="0" smtClean="0">
+            <a:pPr>
+              <a:buFont typeface="Wingdings" pitchFamily="2" charset="2"/>
+              <a:buChar char="q"/>
+            </a:pPr>
+            <a:r>
+              <a:rPr lang="ru-RU" dirty="0" smtClean="0">
                 <a:latin typeface="Times New Roman" pitchFamily="18" charset="0"/>
                 <a:cs typeface="Times New Roman" pitchFamily="18" charset="0"/>
               </a:rPr>
-              <a:t>Eclipse Platform</a:t>
-            </a:r>
-            <a:r>
-              <a:rPr lang="ru-RU" sz="1800" dirty="0" smtClean="0">
+              <a:t>Регистрация пользователя</a:t>
+            </a:r>
+          </a:p>
+          <a:p>
+            <a:pPr>
+              <a:buFont typeface="Wingdings" pitchFamily="2" charset="2"/>
+              <a:buChar char="q"/>
+            </a:pPr>
+            <a:r>
+              <a:rPr lang="ru-RU" dirty="0" smtClean="0">
                 <a:latin typeface="Times New Roman" pitchFamily="18" charset="0"/>
                 <a:cs typeface="Times New Roman" pitchFamily="18" charset="0"/>
               </a:rPr>
-              <a:t> (</a:t>
-            </a:r>
-            <a:r>
-              <a:rPr lang="en-US" sz="1800" dirty="0" smtClean="0">
+              <a:t>Авторизация пользователя</a:t>
+            </a:r>
+          </a:p>
+          <a:p>
+            <a:pPr>
+              <a:buFont typeface="Wingdings" pitchFamily="2" charset="2"/>
+              <a:buChar char="q"/>
+            </a:pPr>
+            <a:r>
+              <a:rPr lang="ru-RU" dirty="0" smtClean="0">
                 <a:latin typeface="Times New Roman" pitchFamily="18" charset="0"/>
                 <a:cs typeface="Times New Roman" pitchFamily="18" charset="0"/>
               </a:rPr>
-              <a:t>Version: 3.8.0</a:t>
-            </a:r>
-            <a:r>
-              <a:rPr lang="ru-RU" sz="1800" dirty="0" smtClean="0">
+              <a:t>Обновление информации о ребенке</a:t>
+            </a:r>
+          </a:p>
+          <a:p>
+            <a:pPr>
+              <a:buFont typeface="Wingdings" pitchFamily="2" charset="2"/>
+              <a:buChar char="q"/>
+            </a:pPr>
+            <a:r>
+              <a:rPr lang="ru-RU" dirty="0" smtClean="0">
+                <a:latin typeface="Times New Roman" pitchFamily="18" charset="0"/>
+                <a:cs typeface="Times New Roman" pitchFamily="18" charset="0"/>
+              </a:rPr>
+              <a:t>Создание и инициализация уведомлений (</a:t>
+            </a:r>
+            <a:r>
+              <a:rPr lang="ru-RU" dirty="0" err="1" smtClean="0">
+                <a:latin typeface="Times New Roman" pitchFamily="18" charset="0"/>
+                <a:cs typeface="Times New Roman" pitchFamily="18" charset="0"/>
+              </a:rPr>
+              <a:t>напоминалок</a:t>
+            </a:r>
+            <a:r>
+              <a:rPr lang="ru-RU" dirty="0" smtClean="0">
                 <a:latin typeface="Times New Roman" pitchFamily="18" charset="0"/>
                 <a:cs typeface="Times New Roman" pitchFamily="18" charset="0"/>
               </a:rPr>
@@ -5513,49 +6064,29 @@
             </a:r>
           </a:p>
           <a:p>
-            <a:r>
-              <a:rPr lang="en-US" sz="1800" dirty="0" smtClean="0">
+            <a:pPr>
+              <a:buFont typeface="Wingdings" pitchFamily="2" charset="2"/>
+              <a:buChar char="q"/>
+            </a:pPr>
+            <a:r>
+              <a:rPr lang="ru-RU" dirty="0" smtClean="0">
                 <a:latin typeface="Times New Roman" pitchFamily="18" charset="0"/>
                 <a:cs typeface="Times New Roman" pitchFamily="18" charset="0"/>
               </a:rPr>
-              <a:t>Android Developer Tools</a:t>
-            </a:r>
-            <a:r>
-              <a:rPr lang="ru-RU" sz="1800" dirty="0" smtClean="0">
-                <a:latin typeface="Times New Roman" pitchFamily="18" charset="0"/>
-                <a:cs typeface="Times New Roman" pitchFamily="18" charset="0"/>
-              </a:rPr>
-              <a:t> (</a:t>
-            </a:r>
-            <a:r>
-              <a:rPr lang="en-US" sz="1800" dirty="0" smtClean="0">
-                <a:latin typeface="Times New Roman" pitchFamily="18" charset="0"/>
-                <a:cs typeface="Times New Roman" pitchFamily="18" charset="0"/>
-              </a:rPr>
-              <a:t>Build: v21.0.1-543035</a:t>
-            </a:r>
-            <a:r>
-              <a:rPr lang="ru-RU" sz="1800" dirty="0" smtClean="0">
-                <a:latin typeface="Times New Roman" pitchFamily="18" charset="0"/>
-                <a:cs typeface="Times New Roman" pitchFamily="18" charset="0"/>
-              </a:rPr>
-              <a:t>)</a:t>
-            </a:r>
-          </a:p>
-          <a:p>
-            <a:r>
-              <a:rPr lang="en-US" sz="1800" dirty="0" smtClean="0">
-                <a:latin typeface="Times New Roman" pitchFamily="18" charset="0"/>
-                <a:cs typeface="Times New Roman" pitchFamily="18" charset="0"/>
-              </a:rPr>
-              <a:t>Microsoft Visio 2010</a:t>
-            </a:r>
-          </a:p>
-          <a:p>
-            <a:endParaRPr lang="ru-RU" dirty="0" smtClean="0">
-              <a:latin typeface="Times New Roman" pitchFamily="18" charset="0"/>
-              <a:cs typeface="Times New Roman" pitchFamily="18" charset="0"/>
-            </a:endParaRPr>
+              <a:t>Синхронизация данных с сервером</a:t>
+            </a:r>
+          </a:p>
+          <a:p>
+            <a:pPr>
+              <a:buNone/>
+            </a:pPr>
+            <a:endParaRPr lang="ru-RU" dirty="0" smtClean="0"/>
+          </a:p>
+          <a:p>
+            <a:pPr>
+              <a:buNone/>
+            </a:pPr>
+            <a:endParaRPr lang="ru-RU" dirty="0"/>
           </a:p>
         </p:txBody>
       </p:sp>
@@ -5596,125 +6127,92 @@
         </p:nvSpPr>
         <p:spPr/>
         <p:txBody>
-          <a:bodyPr/>
+          <a:bodyPr>
+            <a:normAutofit fontScale="90000"/>
+          </a:bodyPr>
           <a:lstStyle/>
           <a:p>
             <a:pPr algn="ctr"/>
             <a:r>
+              <a:rPr lang="ru-RU" b="1" dirty="0" smtClean="0"/>
+              <a:t>Что </a:t>
+            </a:r>
+            <a:r>
+              <a:rPr lang="ru-RU" b="1" dirty="0" smtClean="0"/>
+              <a:t>сделано</a:t>
+            </a:r>
+            <a:r>
+              <a:rPr lang="en-US" dirty="0" smtClean="0"/>
+              <a:t/>
+            </a:r>
+            <a:br>
+              <a:rPr lang="en-US" dirty="0" smtClean="0"/>
+            </a:br>
+            <a:r>
               <a:rPr lang="ru-RU" dirty="0" smtClean="0"/>
-              <a:t>Функции приложения</a:t>
+              <a:t>Форма аутентификации</a:t>
             </a:r>
             <a:endParaRPr lang="ru-RU" dirty="0"/>
           </a:p>
         </p:txBody>
       </p:sp>
-      <p:sp>
-        <p:nvSpPr>
-          <p:cNvPr id="3" name="Содержимое 2"/>
-          <p:cNvSpPr>
-            <a:spLocks noGrp="1"/>
-          </p:cNvSpPr>
+      <p:pic>
+        <p:nvPicPr>
+          <p:cNvPr id="1026" name="Picture 2" descr="K:\Diplom\скрины\auth.png"/>
+          <p:cNvPicPr>
+            <a:picLocks noGrp="1" noChangeAspect="1" noChangeArrowheads="1"/>
+          </p:cNvPicPr>
           <p:nvPr>
             <p:ph sz="quarter" idx="1"/>
           </p:nvPr>
-        </p:nvSpPr>
-        <p:spPr/>
-        <p:txBody>
-          <a:bodyPr/>
-          <a:lstStyle/>
-          <a:p>
-            <a:pPr>
-              <a:buFont typeface="Wingdings" pitchFamily="2" charset="2"/>
-              <a:buChar char="q"/>
-            </a:pPr>
-            <a:r>
-              <a:rPr lang="ru-RU" dirty="0" smtClean="0">
-                <a:latin typeface="Times New Roman" pitchFamily="18" charset="0"/>
-                <a:cs typeface="Times New Roman" pitchFamily="18" charset="0"/>
-              </a:rPr>
-              <a:t>Регистрация пользователя</a:t>
-            </a:r>
-          </a:p>
-          <a:p>
-            <a:pPr>
-              <a:buFont typeface="Wingdings" pitchFamily="2" charset="2"/>
-              <a:buChar char="q"/>
-            </a:pPr>
-            <a:r>
-              <a:rPr lang="ru-RU" dirty="0" smtClean="0">
-                <a:latin typeface="Times New Roman" pitchFamily="18" charset="0"/>
-                <a:cs typeface="Times New Roman" pitchFamily="18" charset="0"/>
-              </a:rPr>
-              <a:t>Авторизация пользователя</a:t>
-            </a:r>
-          </a:p>
-          <a:p>
-            <a:pPr>
-              <a:buFont typeface="Wingdings" pitchFamily="2" charset="2"/>
-              <a:buChar char="q"/>
-            </a:pPr>
-            <a:r>
-              <a:rPr lang="ru-RU" dirty="0" smtClean="0">
-                <a:latin typeface="Times New Roman" pitchFamily="18" charset="0"/>
-                <a:cs typeface="Times New Roman" pitchFamily="18" charset="0"/>
-              </a:rPr>
-              <a:t>Обновление информации о ребенке</a:t>
-            </a:r>
-          </a:p>
-          <a:p>
-            <a:pPr>
-              <a:buFont typeface="Wingdings" pitchFamily="2" charset="2"/>
-              <a:buChar char="q"/>
-            </a:pPr>
-            <a:r>
-              <a:rPr lang="ru-RU" dirty="0" smtClean="0">
-                <a:latin typeface="Times New Roman" pitchFamily="18" charset="0"/>
-                <a:cs typeface="Times New Roman" pitchFamily="18" charset="0"/>
-              </a:rPr>
-              <a:t>Создание и инициализация уведомлений (</a:t>
-            </a:r>
-            <a:r>
-              <a:rPr lang="ru-RU" dirty="0" err="1" smtClean="0">
-                <a:latin typeface="Times New Roman" pitchFamily="18" charset="0"/>
-                <a:cs typeface="Times New Roman" pitchFamily="18" charset="0"/>
-              </a:rPr>
-              <a:t>напоминалок</a:t>
-            </a:r>
-            <a:r>
-              <a:rPr lang="ru-RU" dirty="0" smtClean="0">
-                <a:latin typeface="Times New Roman" pitchFamily="18" charset="0"/>
-                <a:cs typeface="Times New Roman" pitchFamily="18" charset="0"/>
-              </a:rPr>
-              <a:t>)</a:t>
-            </a:r>
-          </a:p>
-          <a:p>
-            <a:pPr>
-              <a:buFont typeface="Wingdings" pitchFamily="2" charset="2"/>
-              <a:buChar char="q"/>
-            </a:pPr>
-            <a:r>
-              <a:rPr lang="ru-RU" dirty="0" smtClean="0">
-                <a:latin typeface="Times New Roman" pitchFamily="18" charset="0"/>
-                <a:cs typeface="Times New Roman" pitchFamily="18" charset="0"/>
-              </a:rPr>
-              <a:t>Синхронизация данных с сервером</a:t>
-            </a:r>
-          </a:p>
-          <a:p>
-            <a:pPr>
-              <a:buNone/>
-            </a:pPr>
-            <a:endParaRPr lang="ru-RU" dirty="0" smtClean="0"/>
-          </a:p>
-          <a:p>
-            <a:pPr>
-              <a:buNone/>
-            </a:pPr>
-            <a:endParaRPr lang="ru-RU" dirty="0"/>
-          </a:p>
-        </p:txBody>
-      </p:sp>
+        </p:nvPicPr>
+        <p:blipFill>
+          <a:blip r:embed="rId2" cstate="print"/>
+          <a:srcRect/>
+          <a:stretch>
+            <a:fillRect/>
+          </a:stretch>
+        </p:blipFill>
+        <p:spPr bwMode="auto">
+          <a:xfrm>
+            <a:off x="3090862" y="1219200"/>
+            <a:ext cx="2962275" cy="4937125"/>
+          </a:xfrm>
+          <a:prstGeom prst="rect">
+            <a:avLst/>
+          </a:prstGeom>
+          <a:solidFill>
+            <a:srgbClr val="FFFFFF">
+              <a:shade val="85000"/>
+            </a:srgbClr>
+          </a:solidFill>
+          <a:ln w="88900" cap="sq">
+            <a:solidFill>
+              <a:srgbClr val="FFFFFF"/>
+            </a:solidFill>
+            <a:miter lim="800000"/>
+          </a:ln>
+          <a:effectLst>
+            <a:outerShdw blurRad="55000" dist="18000" dir="5400000" algn="tl" rotWithShape="0">
+              <a:srgbClr val="000000">
+                <a:alpha val="40000"/>
+              </a:srgbClr>
+            </a:outerShdw>
+          </a:effectLst>
+          <a:scene3d>
+            <a:camera prst="orthographicFront"/>
+            <a:lightRig rig="twoPt" dir="t">
+              <a:rot lat="0" lon="0" rev="7200000"/>
+            </a:lightRig>
+          </a:scene3d>
+          <a:sp3d>
+            <a:bevelT w="25400" h="19050"/>
+            <a:contourClr>
+              <a:srgbClr val="FFFFFF"/>
+            </a:contourClr>
+          </a:sp3d>
+        </p:spPr>
+      </p:pic>
     </p:spTree>
   </p:cSld>
   <p:clrMapOvr>

--- a/Разработка приложения «Карта развития ребенка» под.pptx
+++ b/Разработка приложения «Карта развития ребенка» под.pptx
@@ -188,24 +188,24 @@
             </c:numRef>
           </c:val>
         </c:ser>
-        <c:axId val="71118208"/>
-        <c:axId val="38245504"/>
+        <c:axId val="65512192"/>
+        <c:axId val="65513728"/>
       </c:barChart>
       <c:catAx>
-        <c:axId val="71118208"/>
+        <c:axId val="65512192"/>
         <c:scaling>
           <c:orientation val="minMax"/>
         </c:scaling>
         <c:axPos val="b"/>
         <c:tickLblPos val="nextTo"/>
-        <c:crossAx val="38245504"/>
+        <c:crossAx val="65513728"/>
         <c:crosses val="autoZero"/>
         <c:auto val="1"/>
         <c:lblAlgn val="ctr"/>
         <c:lblOffset val="100"/>
       </c:catAx>
       <c:valAx>
-        <c:axId val="38245504"/>
+        <c:axId val="65513728"/>
         <c:scaling>
           <c:orientation val="minMax"/>
         </c:scaling>
@@ -213,7 +213,7 @@
         <c:majorGridlines/>
         <c:numFmt formatCode="#,##0.00&quot;р.&quot;" sourceLinked="1"/>
         <c:tickLblPos val="nextTo"/>
-        <c:crossAx val="71118208"/>
+        <c:crossAx val="65512192"/>
         <c:crosses val="autoZero"/>
         <c:crossBetween val="between"/>
       </c:valAx>
@@ -291,24 +291,24 @@
             </c:numRef>
           </c:val>
         </c:ser>
-        <c:axId val="38270080"/>
-        <c:axId val="38271616"/>
+        <c:axId val="65874176"/>
+        <c:axId val="65888256"/>
       </c:barChart>
       <c:catAx>
-        <c:axId val="38270080"/>
+        <c:axId val="65874176"/>
         <c:scaling>
           <c:orientation val="minMax"/>
         </c:scaling>
         <c:axPos val="b"/>
         <c:tickLblPos val="nextTo"/>
-        <c:crossAx val="38271616"/>
+        <c:crossAx val="65888256"/>
         <c:crosses val="autoZero"/>
         <c:auto val="1"/>
         <c:lblAlgn val="ctr"/>
         <c:lblOffset val="100"/>
       </c:catAx>
       <c:valAx>
-        <c:axId val="38271616"/>
+        <c:axId val="65888256"/>
         <c:scaling>
           <c:orientation val="minMax"/>
         </c:scaling>
@@ -316,7 +316,7 @@
         <c:majorGridlines/>
         <c:numFmt formatCode="General" sourceLinked="1"/>
         <c:tickLblPos val="nextTo"/>
-        <c:crossAx val="38270080"/>
+        <c:crossAx val="65874176"/>
         <c:crosses val="autoZero"/>
         <c:crossBetween val="between"/>
       </c:valAx>
@@ -475,7 +475,7 @@
             <a:fld id="{DC64BE75-963E-437A-A34F-B34FEDFB7E90}" type="datetimeFigureOut">
               <a:rPr lang="ru-RU" smtClean="0"/>
               <a:pPr/>
-              <a:t>14.06.2013</a:t>
+              <a:t>19.06.2013</a:t>
             </a:fld>
             <a:endParaRPr lang="ru-RU"/>
           </a:p>
@@ -836,7 +836,7 @@
             <a:fld id="{DC64BE75-963E-437A-A34F-B34FEDFB7E90}" type="datetimeFigureOut">
               <a:rPr lang="ru-RU" smtClean="0"/>
               <a:pPr/>
-              <a:t>14.06.2013</a:t>
+              <a:t>19.06.2013</a:t>
             </a:fld>
             <a:endParaRPr lang="ru-RU"/>
           </a:p>
@@ -1013,7 +1013,7 @@
             <a:fld id="{DC64BE75-963E-437A-A34F-B34FEDFB7E90}" type="datetimeFigureOut">
               <a:rPr lang="ru-RU" smtClean="0"/>
               <a:pPr/>
-              <a:t>14.06.2013</a:t>
+              <a:t>19.06.2013</a:t>
             </a:fld>
             <a:endParaRPr lang="ru-RU"/>
           </a:p>
@@ -1250,7 +1250,7 @@
             <a:fld id="{DC64BE75-963E-437A-A34F-B34FEDFB7E90}" type="datetimeFigureOut">
               <a:rPr lang="ru-RU" smtClean="0"/>
               <a:pPr/>
-              <a:t>14.06.2013</a:t>
+              <a:t>19.06.2013</a:t>
             </a:fld>
             <a:endParaRPr lang="ru-RU"/>
           </a:p>
@@ -1521,7 +1521,7 @@
             <a:fld id="{DC64BE75-963E-437A-A34F-B34FEDFB7E90}" type="datetimeFigureOut">
               <a:rPr lang="ru-RU" smtClean="0"/>
               <a:pPr/>
-              <a:t>14.06.2013</a:t>
+              <a:t>19.06.2013</a:t>
             </a:fld>
             <a:endParaRPr lang="ru-RU"/>
           </a:p>
@@ -1743,7 +1743,7 @@
             <a:fld id="{DC64BE75-963E-437A-A34F-B34FEDFB7E90}" type="datetimeFigureOut">
               <a:rPr lang="ru-RU" smtClean="0"/>
               <a:pPr/>
-              <a:t>14.06.2013</a:t>
+              <a:t>19.06.2013</a:t>
             </a:fld>
             <a:endParaRPr lang="ru-RU"/>
           </a:p>
@@ -2097,7 +2097,7 @@
             <a:fld id="{DC64BE75-963E-437A-A34F-B34FEDFB7E90}" type="datetimeFigureOut">
               <a:rPr lang="ru-RU" smtClean="0"/>
               <a:pPr/>
-              <a:t>14.06.2013</a:t>
+              <a:t>19.06.2013</a:t>
             </a:fld>
             <a:endParaRPr lang="ru-RU"/>
           </a:p>
@@ -2331,7 +2331,7 @@
             <a:fld id="{DC64BE75-963E-437A-A34F-B34FEDFB7E90}" type="datetimeFigureOut">
               <a:rPr lang="ru-RU" smtClean="0"/>
               <a:pPr/>
-              <a:t>14.06.2013</a:t>
+              <a:t>19.06.2013</a:t>
             </a:fld>
             <a:endParaRPr lang="ru-RU"/>
           </a:p>
@@ -2473,7 +2473,7 @@
             <a:fld id="{DC64BE75-963E-437A-A34F-B34FEDFB7E90}" type="datetimeFigureOut">
               <a:rPr lang="ru-RU" smtClean="0"/>
               <a:pPr/>
-              <a:t>14.06.2013</a:t>
+              <a:t>19.06.2013</a:t>
             </a:fld>
             <a:endParaRPr lang="ru-RU"/>
           </a:p>
@@ -2752,7 +2752,7 @@
             <a:fld id="{DC64BE75-963E-437A-A34F-B34FEDFB7E90}" type="datetimeFigureOut">
               <a:rPr lang="ru-RU" smtClean="0"/>
               <a:pPr/>
-              <a:t>14.06.2013</a:t>
+              <a:t>19.06.2013</a:t>
             </a:fld>
             <a:endParaRPr lang="ru-RU"/>
           </a:p>
@@ -3161,7 +3161,7 @@
             <a:fld id="{DC64BE75-963E-437A-A34F-B34FEDFB7E90}" type="datetimeFigureOut">
               <a:rPr lang="ru-RU" smtClean="0"/>
               <a:pPr/>
-              <a:t>14.06.2013</a:t>
+              <a:t>19.06.2013</a:t>
             </a:fld>
             <a:endParaRPr lang="ru-RU"/>
           </a:p>
@@ -3501,7 +3501,7 @@
             <a:fld id="{DC64BE75-963E-437A-A34F-B34FEDFB7E90}" type="datetimeFigureOut">
               <a:rPr lang="ru-RU" smtClean="0"/>
               <a:pPr/>
-              <a:t>14.06.2013</a:t>
+              <a:t>19.06.2013</a:t>
             </a:fld>
             <a:endParaRPr lang="ru-RU"/>
           </a:p>
@@ -6135,11 +6135,7 @@
             <a:pPr algn="ctr"/>
             <a:r>
               <a:rPr lang="ru-RU" b="1" dirty="0" smtClean="0"/>
-              <a:t>Что </a:t>
-            </a:r>
-            <a:r>
-              <a:rPr lang="ru-RU" b="1" dirty="0" smtClean="0"/>
-              <a:t>сделано</a:t>
+              <a:t>Что сделано</a:t>
             </a:r>
             <a:r>
               <a:rPr lang="en-US" dirty="0" smtClean="0"/>
